--- a/기획서/연구분야에 관한 ppt(도한).pptx
+++ b/기획서/연구분야에 관한 ppt(도한).pptx
@@ -10,6 +10,8 @@
     <p:sldId id="258" r:id="rId4"/>
     <p:sldId id="259" r:id="rId5"/>
     <p:sldId id="261" r:id="rId6"/>
+    <p:sldId id="262" r:id="rId7"/>
+    <p:sldId id="263" r:id="rId8"/>
   </p:sldIdLst>
   <p:sldSz cx="12192000" cy="6858000"/>
   <p:notesSz cx="6858000" cy="9144000"/>
@@ -108,6 +110,11 @@
       </a:defRPr>
     </a:lvl9pPr>
   </p:defaultTextStyle>
+  <p:extLst>
+    <p:ext uri="{EFAFB233-063F-42B5-8137-9DF3F51BA10A}">
+      <p15:sldGuideLst xmlns:p15="http://schemas.microsoft.com/office/powerpoint/2012/main"/>
+    </p:ext>
+  </p:extLst>
 </p:presentation>
 </file>
 
@@ -5290,6 +5297,2741 @@
 </p:sld>
 </file>
 
+<file path=ppt/slides/slide6.xml><?xml version="1.0" encoding="utf-8"?>
+<p:sld xmlns:a="http://schemas.openxmlformats.org/drawingml/2006/main" xmlns:r="http://schemas.openxmlformats.org/officeDocument/2006/relationships" xmlns:p="http://schemas.openxmlformats.org/presentationml/2006/main">
+  <p:cSld>
+    <p:spTree>
+      <p:nvGrpSpPr>
+        <p:cNvPr id="1" name=""/>
+        <p:cNvGrpSpPr/>
+        <p:nvPr/>
+      </p:nvGrpSpPr>
+      <p:grpSpPr>
+        <a:xfrm>
+          <a:off x="0" y="0"/>
+          <a:ext cx="0" cy="0"/>
+          <a:chOff x="0" y="0"/>
+          <a:chExt cx="0" cy="0"/>
+        </a:xfrm>
+      </p:grpSpPr>
+      <p:sp>
+        <p:nvSpPr>
+          <p:cNvPr id="2" name="제목 1">
+            <a:extLst>
+              <a:ext uri="{FF2B5EF4-FFF2-40B4-BE49-F238E27FC236}">
+                <a16:creationId xmlns:a16="http://schemas.microsoft.com/office/drawing/2014/main" id="{0D5F6F54-5A15-641B-28B0-FD39FE5F4EE7}"/>
+              </a:ext>
+            </a:extLst>
+          </p:cNvPr>
+          <p:cNvSpPr>
+            <a:spLocks noGrp="1"/>
+          </p:cNvSpPr>
+          <p:nvPr>
+            <p:ph type="title"/>
+          </p:nvPr>
+        </p:nvSpPr>
+        <p:spPr>
+          <a:xfrm>
+            <a:off x="136452" y="143484"/>
+            <a:ext cx="9865242" cy="634521"/>
+          </a:xfrm>
+        </p:spPr>
+        <p:txBody>
+          <a:bodyPr>
+            <a:normAutofit fontScale="90000"/>
+          </a:bodyPr>
+          <a:lstStyle/>
+          <a:p>
+            <a:r>
+              <a:rPr lang="en-US" altLang="ko-KR" dirty="0"/>
+              <a:t>TO DO</a:t>
+            </a:r>
+            <a:endParaRPr lang="ko-KR" altLang="en-US" dirty="0"/>
+          </a:p>
+        </p:txBody>
+      </p:sp>
+      <p:sp>
+        <p:nvSpPr>
+          <p:cNvPr id="3" name="내용 개체 틀 2">
+            <a:extLst>
+              <a:ext uri="{FF2B5EF4-FFF2-40B4-BE49-F238E27FC236}">
+                <a16:creationId xmlns:a16="http://schemas.microsoft.com/office/drawing/2014/main" id="{42E11358-97C7-B029-46DB-0AAFAE9E4DB9}"/>
+              </a:ext>
+            </a:extLst>
+          </p:cNvPr>
+          <p:cNvSpPr>
+            <a:spLocks noGrp="1"/>
+          </p:cNvSpPr>
+          <p:nvPr>
+            <p:ph idx="1"/>
+          </p:nvPr>
+        </p:nvSpPr>
+        <p:spPr>
+          <a:xfrm>
+            <a:off x="1" y="641865"/>
+            <a:ext cx="11008242" cy="6304739"/>
+          </a:xfrm>
+        </p:spPr>
+        <p:txBody>
+          <a:bodyPr>
+            <a:normAutofit/>
+          </a:bodyPr>
+          <a:lstStyle/>
+          <a:p>
+            <a:r>
+              <a:rPr lang="ko-KR" altLang="en-US" sz="2000" dirty="0"/>
+              <a:t>애니메이션</a:t>
+            </a:r>
+            <a:r>
+              <a:rPr lang="en-US" altLang="ko-KR" sz="2000" dirty="0"/>
+              <a:t>: </a:t>
+            </a:r>
+            <a:r>
+              <a:rPr lang="ko-KR" altLang="en-US" sz="2000" dirty="0" err="1"/>
+              <a:t>스키닝</a:t>
+            </a:r>
+            <a:r>
+              <a:rPr lang="ko-KR" altLang="en-US" sz="2000" dirty="0"/>
+              <a:t> 애니메이션 기술 적용</a:t>
+            </a:r>
+            <a:endParaRPr lang="en-US" altLang="ko-KR" sz="2000" dirty="0"/>
+          </a:p>
+          <a:p>
+            <a:pPr marL="914400" lvl="2" indent="0">
+              <a:buNone/>
+            </a:pPr>
+            <a:r>
+              <a:rPr lang="en-US" altLang="ko-KR" dirty="0"/>
+              <a:t>-</a:t>
+            </a:r>
+            <a:r>
+              <a:rPr lang="ko-KR" altLang="en-US" dirty="0" err="1"/>
+              <a:t>스키닝</a:t>
+            </a:r>
+            <a:r>
+              <a:rPr lang="ko-KR" altLang="en-US" dirty="0"/>
+              <a:t> 효과</a:t>
+            </a:r>
+            <a:endParaRPr lang="en-US" altLang="ko-KR" dirty="0"/>
+          </a:p>
+          <a:p>
+            <a:r>
+              <a:rPr lang="ko-KR" altLang="en-US" sz="2000" dirty="0"/>
+              <a:t>투명한적</a:t>
+            </a:r>
+            <a:r>
+              <a:rPr lang="en-US" altLang="ko-KR" sz="2000" dirty="0"/>
+              <a:t>: </a:t>
+            </a:r>
+            <a:r>
+              <a:rPr lang="ko-KR" altLang="en-US" sz="2000" dirty="0" err="1"/>
+              <a:t>투명값</a:t>
+            </a:r>
+            <a:r>
+              <a:rPr lang="ko-KR" altLang="en-US" sz="2000" dirty="0"/>
+              <a:t> </a:t>
+            </a:r>
+            <a:r>
+              <a:rPr lang="ko-KR" altLang="en-US" sz="2000" dirty="0" err="1"/>
+              <a:t>텍스쳐</a:t>
+            </a:r>
+            <a:r>
+              <a:rPr lang="ko-KR" altLang="en-US" sz="2000" dirty="0"/>
+              <a:t> 입히기</a:t>
+            </a:r>
+            <a:r>
+              <a:rPr lang="en-US" altLang="ko-KR" sz="2000" dirty="0"/>
+              <a:t>(</a:t>
+            </a:r>
+            <a:r>
+              <a:rPr lang="ko-KR" altLang="en-US" sz="2000" dirty="0"/>
+              <a:t>간단</a:t>
+            </a:r>
+            <a:r>
+              <a:rPr lang="en-US" altLang="ko-KR" sz="2000" dirty="0"/>
+              <a:t>)</a:t>
+            </a:r>
+          </a:p>
+          <a:p>
+            <a:pPr marL="0" indent="0">
+              <a:buNone/>
+            </a:pPr>
+            <a:endParaRPr lang="en-US" altLang="ko-KR" sz="1200" dirty="0"/>
+          </a:p>
+          <a:p>
+            <a:r>
+              <a:rPr lang="ko-KR" altLang="en-US" sz="2000" dirty="0"/>
+              <a:t>투시경</a:t>
+            </a:r>
+            <a:r>
+              <a:rPr lang="en-US" altLang="ko-KR" sz="2000" dirty="0"/>
+              <a:t>: </a:t>
+            </a:r>
+            <a:r>
+              <a:rPr lang="ko-KR" altLang="en-US" sz="2000" dirty="0"/>
+              <a:t>투명한적 </a:t>
+            </a:r>
+            <a:r>
+              <a:rPr lang="en-US" altLang="ko-KR" sz="2000" dirty="0"/>
+              <a:t>(</a:t>
+            </a:r>
+            <a:r>
+              <a:rPr lang="ko-KR" altLang="en-US" sz="2000" dirty="0" err="1"/>
+              <a:t>불룸효과</a:t>
+            </a:r>
+            <a:r>
+              <a:rPr lang="en-US" altLang="ko-KR" sz="2000" dirty="0"/>
+              <a:t>)</a:t>
+            </a:r>
+            <a:r>
+              <a:rPr lang="ko-KR" altLang="en-US" sz="2000" dirty="0"/>
+              <a:t> 적용</a:t>
+            </a:r>
+            <a:endParaRPr lang="en-US" altLang="ko-KR" sz="2000" dirty="0"/>
+          </a:p>
+          <a:p>
+            <a:pPr marL="0" indent="0">
+              <a:buNone/>
+            </a:pPr>
+            <a:r>
+              <a:rPr lang="en-US" altLang="ko-KR" sz="2000" dirty="0"/>
+              <a:t>	-</a:t>
+            </a:r>
+            <a:r>
+              <a:rPr lang="ko-KR" altLang="en-US" sz="2000" dirty="0" err="1"/>
+              <a:t>블룸</a:t>
+            </a:r>
+            <a:r>
+              <a:rPr lang="ko-KR" altLang="en-US" sz="2000" dirty="0"/>
+              <a:t> 기술 적용</a:t>
+            </a:r>
+            <a:endParaRPr lang="en-US" altLang="ko-KR" sz="2000" dirty="0"/>
+          </a:p>
+          <a:p>
+            <a:r>
+              <a:rPr lang="ko-KR" altLang="en-US" sz="2000" dirty="0"/>
+              <a:t>주사기</a:t>
+            </a:r>
+            <a:r>
+              <a:rPr lang="en-US" altLang="ko-KR" sz="2000" dirty="0"/>
+              <a:t>: x</a:t>
+            </a:r>
+          </a:p>
+          <a:p>
+            <a:pPr marL="0" indent="0">
+              <a:buNone/>
+            </a:pPr>
+            <a:endParaRPr lang="en-US" altLang="ko-KR" sz="2000" dirty="0"/>
+          </a:p>
+          <a:p>
+            <a:r>
+              <a:rPr lang="ko-KR" altLang="en-US" sz="2000" dirty="0" err="1"/>
+              <a:t>샷건</a:t>
+            </a:r>
+            <a:r>
+              <a:rPr lang="en-US" altLang="ko-KR" sz="2000" dirty="0"/>
+              <a:t>,… : x</a:t>
+            </a:r>
+          </a:p>
+          <a:p>
+            <a:r>
+              <a:rPr lang="ko-KR" altLang="en-US" sz="2000" dirty="0"/>
+              <a:t>수풀</a:t>
+            </a:r>
+            <a:r>
+              <a:rPr lang="en-US" altLang="ko-KR" sz="2000" dirty="0"/>
+              <a:t>: </a:t>
+            </a:r>
+            <a:r>
+              <a:rPr lang="ko-KR" altLang="en-US" sz="2000" dirty="0"/>
+              <a:t>빌보드로 처리</a:t>
+            </a:r>
+            <a:endParaRPr lang="en-US" altLang="ko-KR" sz="2000" dirty="0"/>
+          </a:p>
+          <a:p>
+            <a:endParaRPr lang="en-US" altLang="ko-KR" sz="2000" dirty="0"/>
+          </a:p>
+          <a:p>
+            <a:r>
+              <a:rPr lang="ko-KR" altLang="en-US" sz="2000" dirty="0"/>
+              <a:t>방사능</a:t>
+            </a:r>
+            <a:r>
+              <a:rPr lang="en-US" altLang="ko-KR" sz="2000" dirty="0"/>
+              <a:t>: </a:t>
+            </a:r>
+            <a:r>
+              <a:rPr lang="ko-KR" altLang="en-US" sz="2000" dirty="0"/>
+              <a:t>방사능지역에 있으면 후처리로 특정 색상과 </a:t>
+            </a:r>
+            <a:r>
+              <a:rPr lang="ko-KR" altLang="en-US" sz="2000" dirty="0" err="1"/>
+              <a:t>랜더링</a:t>
+            </a:r>
+            <a:r>
+              <a:rPr lang="ko-KR" altLang="en-US" sz="2000" dirty="0"/>
+              <a:t> 결과물 </a:t>
+            </a:r>
+            <a:endParaRPr lang="en-US" altLang="ko-KR" sz="2000" dirty="0"/>
+          </a:p>
+          <a:p>
+            <a:pPr marL="914400" lvl="2" indent="0">
+              <a:buNone/>
+            </a:pPr>
+            <a:r>
+              <a:rPr lang="en-US" altLang="ko-KR" dirty="0"/>
+              <a:t>-</a:t>
+            </a:r>
+          </a:p>
+          <a:p>
+            <a:r>
+              <a:rPr lang="ko-KR" altLang="en-US" sz="2000" dirty="0"/>
+              <a:t>카메라</a:t>
+            </a:r>
+            <a:r>
+              <a:rPr lang="en-US" altLang="ko-KR" sz="2000" dirty="0"/>
+              <a:t>: </a:t>
+            </a:r>
+            <a:r>
+              <a:rPr lang="en-US" altLang="ko-KR" sz="2000" dirty="0" err="1"/>
+              <a:t>imgui</a:t>
+            </a:r>
+            <a:r>
+              <a:rPr lang="ko-KR" altLang="en-US" sz="2000" dirty="0" err="1"/>
+              <a:t>를</a:t>
+            </a:r>
+            <a:r>
+              <a:rPr lang="ko-KR" altLang="en-US" sz="2000" dirty="0"/>
+              <a:t> 통해 최적의 카메라 이동 속도 및 오프셋 찾기</a:t>
+            </a:r>
+            <a:endParaRPr lang="en-US" altLang="ko-KR" sz="2000" dirty="0"/>
+          </a:p>
+          <a:p>
+            <a:endParaRPr lang="en-US" altLang="ko-KR" dirty="0"/>
+          </a:p>
+        </p:txBody>
+      </p:sp>
+      <p:sp>
+        <p:nvSpPr>
+          <p:cNvPr id="4" name="별: 꼭짓점 5개 3">
+            <a:extLst>
+              <a:ext uri="{FF2B5EF4-FFF2-40B4-BE49-F238E27FC236}">
+                <a16:creationId xmlns:a16="http://schemas.microsoft.com/office/drawing/2014/main" id="{67F5487C-706B-5F24-6BAD-EDB525ACE140}"/>
+              </a:ext>
+            </a:extLst>
+          </p:cNvPr>
+          <p:cNvSpPr/>
+          <p:nvPr/>
+        </p:nvSpPr>
+        <p:spPr>
+          <a:xfrm>
+            <a:off x="7542028" y="523188"/>
+            <a:ext cx="411126" cy="410395"/>
+          </a:xfrm>
+          <a:prstGeom prst="star5">
+            <a:avLst/>
+          </a:prstGeom>
+          <a:solidFill>
+            <a:srgbClr val="FFFF00"/>
+          </a:solidFill>
+        </p:spPr>
+        <p:style>
+          <a:lnRef idx="2">
+            <a:schemeClr val="accent1">
+              <a:shade val="15000"/>
+            </a:schemeClr>
+          </a:lnRef>
+          <a:fillRef idx="1">
+            <a:schemeClr val="accent1"/>
+          </a:fillRef>
+          <a:effectRef idx="0">
+            <a:schemeClr val="accent1"/>
+          </a:effectRef>
+          <a:fontRef idx="minor">
+            <a:schemeClr val="lt1"/>
+          </a:fontRef>
+        </p:style>
+        <p:txBody>
+          <a:bodyPr rtlCol="0" anchor="ctr"/>
+          <a:lstStyle/>
+          <a:p>
+            <a:pPr algn="ctr"/>
+            <a:endParaRPr lang="ko-KR" altLang="en-US"/>
+          </a:p>
+        </p:txBody>
+      </p:sp>
+      <p:sp>
+        <p:nvSpPr>
+          <p:cNvPr id="5" name="별: 꼭짓점 5개 4">
+            <a:extLst>
+              <a:ext uri="{FF2B5EF4-FFF2-40B4-BE49-F238E27FC236}">
+                <a16:creationId xmlns:a16="http://schemas.microsoft.com/office/drawing/2014/main" id="{C0778CAD-9870-01A2-FB40-D596D02BAB94}"/>
+              </a:ext>
+            </a:extLst>
+          </p:cNvPr>
+          <p:cNvSpPr/>
+          <p:nvPr/>
+        </p:nvSpPr>
+        <p:spPr>
+          <a:xfrm>
+            <a:off x="7062676" y="523188"/>
+            <a:ext cx="411126" cy="410395"/>
+          </a:xfrm>
+          <a:prstGeom prst="star5">
+            <a:avLst/>
+          </a:prstGeom>
+          <a:solidFill>
+            <a:srgbClr val="FFFF00"/>
+          </a:solidFill>
+        </p:spPr>
+        <p:style>
+          <a:lnRef idx="2">
+            <a:schemeClr val="accent1">
+              <a:shade val="15000"/>
+            </a:schemeClr>
+          </a:lnRef>
+          <a:fillRef idx="1">
+            <a:schemeClr val="accent1"/>
+          </a:fillRef>
+          <a:effectRef idx="0">
+            <a:schemeClr val="accent1"/>
+          </a:effectRef>
+          <a:fontRef idx="minor">
+            <a:schemeClr val="lt1"/>
+          </a:fontRef>
+        </p:style>
+        <p:txBody>
+          <a:bodyPr rtlCol="0" anchor="ctr"/>
+          <a:lstStyle/>
+          <a:p>
+            <a:pPr algn="ctr"/>
+            <a:endParaRPr lang="ko-KR" altLang="en-US"/>
+          </a:p>
+        </p:txBody>
+      </p:sp>
+      <p:sp>
+        <p:nvSpPr>
+          <p:cNvPr id="6" name="별: 꼭짓점 5개 5">
+            <a:extLst>
+              <a:ext uri="{FF2B5EF4-FFF2-40B4-BE49-F238E27FC236}">
+                <a16:creationId xmlns:a16="http://schemas.microsoft.com/office/drawing/2014/main" id="{D11F25F8-2FB7-46D5-E97A-D1E9426DE5A3}"/>
+              </a:ext>
+            </a:extLst>
+          </p:cNvPr>
+          <p:cNvSpPr/>
+          <p:nvPr/>
+        </p:nvSpPr>
+        <p:spPr>
+          <a:xfrm>
+            <a:off x="6583324" y="523188"/>
+            <a:ext cx="411126" cy="410395"/>
+          </a:xfrm>
+          <a:prstGeom prst="star5">
+            <a:avLst/>
+          </a:prstGeom>
+          <a:solidFill>
+            <a:srgbClr val="FFFF00"/>
+          </a:solidFill>
+        </p:spPr>
+        <p:style>
+          <a:lnRef idx="2">
+            <a:schemeClr val="accent1">
+              <a:shade val="15000"/>
+            </a:schemeClr>
+          </a:lnRef>
+          <a:fillRef idx="1">
+            <a:schemeClr val="accent1"/>
+          </a:fillRef>
+          <a:effectRef idx="0">
+            <a:schemeClr val="accent1"/>
+          </a:effectRef>
+          <a:fontRef idx="minor">
+            <a:schemeClr val="lt1"/>
+          </a:fontRef>
+        </p:style>
+        <p:txBody>
+          <a:bodyPr rtlCol="0" anchor="ctr"/>
+          <a:lstStyle/>
+          <a:p>
+            <a:pPr algn="ctr"/>
+            <a:endParaRPr lang="ko-KR" altLang="en-US"/>
+          </a:p>
+        </p:txBody>
+      </p:sp>
+      <p:sp>
+        <p:nvSpPr>
+          <p:cNvPr id="7" name="별: 꼭짓점 5개 6">
+            <a:extLst>
+              <a:ext uri="{FF2B5EF4-FFF2-40B4-BE49-F238E27FC236}">
+                <a16:creationId xmlns:a16="http://schemas.microsoft.com/office/drawing/2014/main" id="{87E50DC4-6BD5-BE03-4DDB-B82240670F00}"/>
+              </a:ext>
+            </a:extLst>
+          </p:cNvPr>
+          <p:cNvSpPr/>
+          <p:nvPr/>
+        </p:nvSpPr>
+        <p:spPr>
+          <a:xfrm>
+            <a:off x="6154920" y="523188"/>
+            <a:ext cx="411126" cy="410395"/>
+          </a:xfrm>
+          <a:prstGeom prst="star5">
+            <a:avLst/>
+          </a:prstGeom>
+          <a:solidFill>
+            <a:srgbClr val="FFFF00"/>
+          </a:solidFill>
+        </p:spPr>
+        <p:style>
+          <a:lnRef idx="2">
+            <a:schemeClr val="accent1">
+              <a:shade val="15000"/>
+            </a:schemeClr>
+          </a:lnRef>
+          <a:fillRef idx="1">
+            <a:schemeClr val="accent1"/>
+          </a:fillRef>
+          <a:effectRef idx="0">
+            <a:schemeClr val="accent1"/>
+          </a:effectRef>
+          <a:fontRef idx="minor">
+            <a:schemeClr val="lt1"/>
+          </a:fontRef>
+        </p:style>
+        <p:txBody>
+          <a:bodyPr rtlCol="0" anchor="ctr"/>
+          <a:lstStyle/>
+          <a:p>
+            <a:pPr algn="ctr"/>
+            <a:endParaRPr lang="ko-KR" altLang="en-US"/>
+          </a:p>
+        </p:txBody>
+      </p:sp>
+      <p:sp>
+        <p:nvSpPr>
+          <p:cNvPr id="8" name="별: 꼭짓점 5개 7">
+            <a:extLst>
+              <a:ext uri="{FF2B5EF4-FFF2-40B4-BE49-F238E27FC236}">
+                <a16:creationId xmlns:a16="http://schemas.microsoft.com/office/drawing/2014/main" id="{5F5D07D8-72EA-194A-3FD0-DFACEBC62CFC}"/>
+              </a:ext>
+            </a:extLst>
+          </p:cNvPr>
+          <p:cNvSpPr/>
+          <p:nvPr/>
+        </p:nvSpPr>
+        <p:spPr>
+          <a:xfrm>
+            <a:off x="5675568" y="523188"/>
+            <a:ext cx="411126" cy="410395"/>
+          </a:xfrm>
+          <a:prstGeom prst="star5">
+            <a:avLst/>
+          </a:prstGeom>
+          <a:solidFill>
+            <a:srgbClr val="FFFF00"/>
+          </a:solidFill>
+        </p:spPr>
+        <p:style>
+          <a:lnRef idx="2">
+            <a:schemeClr val="accent1">
+              <a:shade val="15000"/>
+            </a:schemeClr>
+          </a:lnRef>
+          <a:fillRef idx="1">
+            <a:schemeClr val="accent1"/>
+          </a:fillRef>
+          <a:effectRef idx="0">
+            <a:schemeClr val="accent1"/>
+          </a:effectRef>
+          <a:fontRef idx="minor">
+            <a:schemeClr val="lt1"/>
+          </a:fontRef>
+        </p:style>
+        <p:txBody>
+          <a:bodyPr rtlCol="0" anchor="ctr"/>
+          <a:lstStyle/>
+          <a:p>
+            <a:pPr algn="ctr"/>
+            <a:endParaRPr lang="ko-KR" altLang="en-US"/>
+          </a:p>
+        </p:txBody>
+      </p:sp>
+      <p:sp>
+        <p:nvSpPr>
+          <p:cNvPr id="9" name="별: 꼭짓점 5개 8">
+            <a:extLst>
+              <a:ext uri="{FF2B5EF4-FFF2-40B4-BE49-F238E27FC236}">
+                <a16:creationId xmlns:a16="http://schemas.microsoft.com/office/drawing/2014/main" id="{DBFE9CEC-892F-DF2A-3511-AAD555FAFAC8}"/>
+              </a:ext>
+            </a:extLst>
+          </p:cNvPr>
+          <p:cNvSpPr/>
+          <p:nvPr/>
+        </p:nvSpPr>
+        <p:spPr>
+          <a:xfrm>
+            <a:off x="7130902" y="1313287"/>
+            <a:ext cx="411126" cy="410395"/>
+          </a:xfrm>
+          <a:prstGeom prst="star5">
+            <a:avLst/>
+          </a:prstGeom>
+          <a:solidFill>
+            <a:schemeClr val="bg1"/>
+          </a:solidFill>
+        </p:spPr>
+        <p:style>
+          <a:lnRef idx="2">
+            <a:schemeClr val="accent1">
+              <a:shade val="15000"/>
+            </a:schemeClr>
+          </a:lnRef>
+          <a:fillRef idx="1">
+            <a:schemeClr val="accent1"/>
+          </a:fillRef>
+          <a:effectRef idx="0">
+            <a:schemeClr val="accent1"/>
+          </a:effectRef>
+          <a:fontRef idx="minor">
+            <a:schemeClr val="lt1"/>
+          </a:fontRef>
+        </p:style>
+        <p:txBody>
+          <a:bodyPr rtlCol="0" anchor="ctr"/>
+          <a:lstStyle/>
+          <a:p>
+            <a:pPr algn="ctr"/>
+            <a:endParaRPr lang="ko-KR" altLang="en-US"/>
+          </a:p>
+        </p:txBody>
+      </p:sp>
+      <p:sp>
+        <p:nvSpPr>
+          <p:cNvPr id="10" name="별: 꼭짓점 5개 9">
+            <a:extLst>
+              <a:ext uri="{FF2B5EF4-FFF2-40B4-BE49-F238E27FC236}">
+                <a16:creationId xmlns:a16="http://schemas.microsoft.com/office/drawing/2014/main" id="{12E240E9-64BB-6371-E806-4ED3A73DC43A}"/>
+              </a:ext>
+            </a:extLst>
+          </p:cNvPr>
+          <p:cNvSpPr/>
+          <p:nvPr/>
+        </p:nvSpPr>
+        <p:spPr>
+          <a:xfrm>
+            <a:off x="6651550" y="1313287"/>
+            <a:ext cx="411126" cy="410395"/>
+          </a:xfrm>
+          <a:prstGeom prst="star5">
+            <a:avLst/>
+          </a:prstGeom>
+          <a:solidFill>
+            <a:schemeClr val="bg1"/>
+          </a:solidFill>
+        </p:spPr>
+        <p:style>
+          <a:lnRef idx="2">
+            <a:schemeClr val="accent1">
+              <a:shade val="15000"/>
+            </a:schemeClr>
+          </a:lnRef>
+          <a:fillRef idx="1">
+            <a:schemeClr val="accent1"/>
+          </a:fillRef>
+          <a:effectRef idx="0">
+            <a:schemeClr val="accent1"/>
+          </a:effectRef>
+          <a:fontRef idx="minor">
+            <a:schemeClr val="lt1"/>
+          </a:fontRef>
+        </p:style>
+        <p:txBody>
+          <a:bodyPr rtlCol="0" anchor="ctr"/>
+          <a:lstStyle/>
+          <a:p>
+            <a:pPr algn="ctr"/>
+            <a:endParaRPr lang="ko-KR" altLang="en-US"/>
+          </a:p>
+        </p:txBody>
+      </p:sp>
+      <p:sp>
+        <p:nvSpPr>
+          <p:cNvPr id="11" name="별: 꼭짓점 5개 10">
+            <a:extLst>
+              <a:ext uri="{FF2B5EF4-FFF2-40B4-BE49-F238E27FC236}">
+                <a16:creationId xmlns:a16="http://schemas.microsoft.com/office/drawing/2014/main" id="{E66B8F01-677B-1EFE-C2FB-8DA3DFAF58F6}"/>
+              </a:ext>
+            </a:extLst>
+          </p:cNvPr>
+          <p:cNvSpPr/>
+          <p:nvPr/>
+        </p:nvSpPr>
+        <p:spPr>
+          <a:xfrm>
+            <a:off x="6172198" y="1313287"/>
+            <a:ext cx="411126" cy="410395"/>
+          </a:xfrm>
+          <a:prstGeom prst="star5">
+            <a:avLst/>
+          </a:prstGeom>
+          <a:solidFill>
+            <a:schemeClr val="bg1"/>
+          </a:solidFill>
+        </p:spPr>
+        <p:style>
+          <a:lnRef idx="2">
+            <a:schemeClr val="accent1">
+              <a:shade val="15000"/>
+            </a:schemeClr>
+          </a:lnRef>
+          <a:fillRef idx="1">
+            <a:schemeClr val="accent1"/>
+          </a:fillRef>
+          <a:effectRef idx="0">
+            <a:schemeClr val="accent1"/>
+          </a:effectRef>
+          <a:fontRef idx="minor">
+            <a:schemeClr val="lt1"/>
+          </a:fontRef>
+        </p:style>
+        <p:txBody>
+          <a:bodyPr rtlCol="0" anchor="ctr"/>
+          <a:lstStyle/>
+          <a:p>
+            <a:pPr algn="ctr"/>
+            <a:endParaRPr lang="ko-KR" altLang="en-US"/>
+          </a:p>
+        </p:txBody>
+      </p:sp>
+      <p:sp>
+        <p:nvSpPr>
+          <p:cNvPr id="12" name="별: 꼭짓점 5개 11">
+            <a:extLst>
+              <a:ext uri="{FF2B5EF4-FFF2-40B4-BE49-F238E27FC236}">
+                <a16:creationId xmlns:a16="http://schemas.microsoft.com/office/drawing/2014/main" id="{7A9EBC33-05CB-0807-35B3-070A5BF8E8D6}"/>
+              </a:ext>
+            </a:extLst>
+          </p:cNvPr>
+          <p:cNvSpPr/>
+          <p:nvPr/>
+        </p:nvSpPr>
+        <p:spPr>
+          <a:xfrm>
+            <a:off x="5743794" y="1313287"/>
+            <a:ext cx="411126" cy="410395"/>
+          </a:xfrm>
+          <a:prstGeom prst="star5">
+            <a:avLst/>
+          </a:prstGeom>
+          <a:solidFill>
+            <a:schemeClr val="bg1"/>
+          </a:solidFill>
+        </p:spPr>
+        <p:style>
+          <a:lnRef idx="2">
+            <a:schemeClr val="accent1">
+              <a:shade val="15000"/>
+            </a:schemeClr>
+          </a:lnRef>
+          <a:fillRef idx="1">
+            <a:schemeClr val="accent1"/>
+          </a:fillRef>
+          <a:effectRef idx="0">
+            <a:schemeClr val="accent1"/>
+          </a:effectRef>
+          <a:fontRef idx="minor">
+            <a:schemeClr val="lt1"/>
+          </a:fontRef>
+        </p:style>
+        <p:txBody>
+          <a:bodyPr rtlCol="0" anchor="ctr"/>
+          <a:lstStyle/>
+          <a:p>
+            <a:pPr algn="ctr"/>
+            <a:endParaRPr lang="ko-KR" altLang="en-US"/>
+          </a:p>
+        </p:txBody>
+      </p:sp>
+      <p:sp>
+        <p:nvSpPr>
+          <p:cNvPr id="13" name="별: 꼭짓점 5개 12">
+            <a:extLst>
+              <a:ext uri="{FF2B5EF4-FFF2-40B4-BE49-F238E27FC236}">
+                <a16:creationId xmlns:a16="http://schemas.microsoft.com/office/drawing/2014/main" id="{DD21D176-BE0C-8672-C7E0-3184B2B38D89}"/>
+              </a:ext>
+            </a:extLst>
+          </p:cNvPr>
+          <p:cNvSpPr/>
+          <p:nvPr/>
+        </p:nvSpPr>
+        <p:spPr>
+          <a:xfrm>
+            <a:off x="5264442" y="1313287"/>
+            <a:ext cx="411126" cy="410395"/>
+          </a:xfrm>
+          <a:prstGeom prst="star5">
+            <a:avLst/>
+          </a:prstGeom>
+          <a:solidFill>
+            <a:schemeClr val="bg1"/>
+          </a:solidFill>
+        </p:spPr>
+        <p:style>
+          <a:lnRef idx="2">
+            <a:schemeClr val="accent1">
+              <a:shade val="15000"/>
+            </a:schemeClr>
+          </a:lnRef>
+          <a:fillRef idx="1">
+            <a:schemeClr val="accent1"/>
+          </a:fillRef>
+          <a:effectRef idx="0">
+            <a:schemeClr val="accent1"/>
+          </a:effectRef>
+          <a:fontRef idx="minor">
+            <a:schemeClr val="lt1"/>
+          </a:fontRef>
+        </p:style>
+        <p:txBody>
+          <a:bodyPr rtlCol="0" anchor="ctr"/>
+          <a:lstStyle/>
+          <a:p>
+            <a:pPr algn="ctr"/>
+            <a:endParaRPr lang="ko-KR" altLang="en-US"/>
+          </a:p>
+        </p:txBody>
+      </p:sp>
+      <p:sp>
+        <p:nvSpPr>
+          <p:cNvPr id="14" name="별: 꼭짓점 5개 13">
+            <a:extLst>
+              <a:ext uri="{FF2B5EF4-FFF2-40B4-BE49-F238E27FC236}">
+                <a16:creationId xmlns:a16="http://schemas.microsoft.com/office/drawing/2014/main" id="{45C67F37-FE60-61EF-EB33-4538DC4F1E77}"/>
+              </a:ext>
+            </a:extLst>
+          </p:cNvPr>
+          <p:cNvSpPr/>
+          <p:nvPr/>
+        </p:nvSpPr>
+        <p:spPr>
+          <a:xfrm>
+            <a:off x="6240424" y="2016865"/>
+            <a:ext cx="411126" cy="410395"/>
+          </a:xfrm>
+          <a:prstGeom prst="star5">
+            <a:avLst/>
+          </a:prstGeom>
+          <a:solidFill>
+            <a:schemeClr val="bg1"/>
+          </a:solidFill>
+        </p:spPr>
+        <p:style>
+          <a:lnRef idx="2">
+            <a:schemeClr val="accent1">
+              <a:shade val="15000"/>
+            </a:schemeClr>
+          </a:lnRef>
+          <a:fillRef idx="1">
+            <a:schemeClr val="accent1"/>
+          </a:fillRef>
+          <a:effectRef idx="0">
+            <a:schemeClr val="accent1"/>
+          </a:effectRef>
+          <a:fontRef idx="minor">
+            <a:schemeClr val="lt1"/>
+          </a:fontRef>
+        </p:style>
+        <p:txBody>
+          <a:bodyPr rtlCol="0" anchor="ctr"/>
+          <a:lstStyle/>
+          <a:p>
+            <a:pPr algn="ctr"/>
+            <a:endParaRPr lang="ko-KR" altLang="en-US"/>
+          </a:p>
+        </p:txBody>
+      </p:sp>
+      <p:sp>
+        <p:nvSpPr>
+          <p:cNvPr id="15" name="별: 꼭짓점 5개 14">
+            <a:extLst>
+              <a:ext uri="{FF2B5EF4-FFF2-40B4-BE49-F238E27FC236}">
+                <a16:creationId xmlns:a16="http://schemas.microsoft.com/office/drawing/2014/main" id="{4071E81D-544E-4390-FEDD-D582C19DF92A}"/>
+              </a:ext>
+            </a:extLst>
+          </p:cNvPr>
+          <p:cNvSpPr/>
+          <p:nvPr/>
+        </p:nvSpPr>
+        <p:spPr>
+          <a:xfrm>
+            <a:off x="5761072" y="2016865"/>
+            <a:ext cx="411126" cy="410395"/>
+          </a:xfrm>
+          <a:prstGeom prst="star5">
+            <a:avLst/>
+          </a:prstGeom>
+          <a:solidFill>
+            <a:srgbClr val="FFFF00"/>
+          </a:solidFill>
+        </p:spPr>
+        <p:style>
+          <a:lnRef idx="2">
+            <a:schemeClr val="accent1">
+              <a:shade val="15000"/>
+            </a:schemeClr>
+          </a:lnRef>
+          <a:fillRef idx="1">
+            <a:schemeClr val="accent1"/>
+          </a:fillRef>
+          <a:effectRef idx="0">
+            <a:schemeClr val="accent1"/>
+          </a:effectRef>
+          <a:fontRef idx="minor">
+            <a:schemeClr val="lt1"/>
+          </a:fontRef>
+        </p:style>
+        <p:txBody>
+          <a:bodyPr rtlCol="0" anchor="ctr"/>
+          <a:lstStyle/>
+          <a:p>
+            <a:pPr algn="ctr"/>
+            <a:endParaRPr lang="ko-KR" altLang="en-US"/>
+          </a:p>
+        </p:txBody>
+      </p:sp>
+      <p:sp>
+        <p:nvSpPr>
+          <p:cNvPr id="16" name="별: 꼭짓점 5개 15">
+            <a:extLst>
+              <a:ext uri="{FF2B5EF4-FFF2-40B4-BE49-F238E27FC236}">
+                <a16:creationId xmlns:a16="http://schemas.microsoft.com/office/drawing/2014/main" id="{A907F1E7-2020-16A4-1595-45C058E2EDD5}"/>
+              </a:ext>
+            </a:extLst>
+          </p:cNvPr>
+          <p:cNvSpPr/>
+          <p:nvPr/>
+        </p:nvSpPr>
+        <p:spPr>
+          <a:xfrm>
+            <a:off x="5281720" y="2016865"/>
+            <a:ext cx="411126" cy="410395"/>
+          </a:xfrm>
+          <a:prstGeom prst="star5">
+            <a:avLst/>
+          </a:prstGeom>
+          <a:solidFill>
+            <a:srgbClr val="FFFF00"/>
+          </a:solidFill>
+        </p:spPr>
+        <p:style>
+          <a:lnRef idx="2">
+            <a:schemeClr val="accent1">
+              <a:shade val="15000"/>
+            </a:schemeClr>
+          </a:lnRef>
+          <a:fillRef idx="1">
+            <a:schemeClr val="accent1"/>
+          </a:fillRef>
+          <a:effectRef idx="0">
+            <a:schemeClr val="accent1"/>
+          </a:effectRef>
+          <a:fontRef idx="minor">
+            <a:schemeClr val="lt1"/>
+          </a:fontRef>
+        </p:style>
+        <p:txBody>
+          <a:bodyPr rtlCol="0" anchor="ctr"/>
+          <a:lstStyle/>
+          <a:p>
+            <a:pPr algn="ctr"/>
+            <a:endParaRPr lang="ko-KR" altLang="en-US"/>
+          </a:p>
+        </p:txBody>
+      </p:sp>
+      <p:sp>
+        <p:nvSpPr>
+          <p:cNvPr id="17" name="별: 꼭짓점 5개 16">
+            <a:extLst>
+              <a:ext uri="{FF2B5EF4-FFF2-40B4-BE49-F238E27FC236}">
+                <a16:creationId xmlns:a16="http://schemas.microsoft.com/office/drawing/2014/main" id="{9B96F184-14A1-F9C2-7616-833CC67A0021}"/>
+              </a:ext>
+            </a:extLst>
+          </p:cNvPr>
+          <p:cNvSpPr/>
+          <p:nvPr/>
+        </p:nvSpPr>
+        <p:spPr>
+          <a:xfrm>
+            <a:off x="4853316" y="2016865"/>
+            <a:ext cx="411126" cy="410395"/>
+          </a:xfrm>
+          <a:prstGeom prst="star5">
+            <a:avLst/>
+          </a:prstGeom>
+          <a:solidFill>
+            <a:srgbClr val="FFFF00"/>
+          </a:solidFill>
+        </p:spPr>
+        <p:style>
+          <a:lnRef idx="2">
+            <a:schemeClr val="accent1">
+              <a:shade val="15000"/>
+            </a:schemeClr>
+          </a:lnRef>
+          <a:fillRef idx="1">
+            <a:schemeClr val="accent1"/>
+          </a:fillRef>
+          <a:effectRef idx="0">
+            <a:schemeClr val="accent1"/>
+          </a:effectRef>
+          <a:fontRef idx="minor">
+            <a:schemeClr val="lt1"/>
+          </a:fontRef>
+        </p:style>
+        <p:txBody>
+          <a:bodyPr rtlCol="0" anchor="ctr"/>
+          <a:lstStyle/>
+          <a:p>
+            <a:pPr algn="ctr"/>
+            <a:endParaRPr lang="ko-KR" altLang="en-US"/>
+          </a:p>
+        </p:txBody>
+      </p:sp>
+      <p:sp>
+        <p:nvSpPr>
+          <p:cNvPr id="18" name="별: 꼭짓점 5개 17">
+            <a:extLst>
+              <a:ext uri="{FF2B5EF4-FFF2-40B4-BE49-F238E27FC236}">
+                <a16:creationId xmlns:a16="http://schemas.microsoft.com/office/drawing/2014/main" id="{BC2952B7-3679-406C-14CB-E1229B6D38DF}"/>
+              </a:ext>
+            </a:extLst>
+          </p:cNvPr>
+          <p:cNvSpPr/>
+          <p:nvPr/>
+        </p:nvSpPr>
+        <p:spPr>
+          <a:xfrm>
+            <a:off x="4373964" y="2016865"/>
+            <a:ext cx="411126" cy="410395"/>
+          </a:xfrm>
+          <a:prstGeom prst="star5">
+            <a:avLst/>
+          </a:prstGeom>
+          <a:solidFill>
+            <a:srgbClr val="FFFF00"/>
+          </a:solidFill>
+        </p:spPr>
+        <p:style>
+          <a:lnRef idx="2">
+            <a:schemeClr val="accent1">
+              <a:shade val="15000"/>
+            </a:schemeClr>
+          </a:lnRef>
+          <a:fillRef idx="1">
+            <a:schemeClr val="accent1"/>
+          </a:fillRef>
+          <a:effectRef idx="0">
+            <a:schemeClr val="accent1"/>
+          </a:effectRef>
+          <a:fontRef idx="minor">
+            <a:schemeClr val="lt1"/>
+          </a:fontRef>
+        </p:style>
+        <p:txBody>
+          <a:bodyPr rtlCol="0" anchor="ctr"/>
+          <a:lstStyle/>
+          <a:p>
+            <a:pPr algn="ctr"/>
+            <a:endParaRPr lang="ko-KR" altLang="en-US"/>
+          </a:p>
+        </p:txBody>
+      </p:sp>
+      <p:sp>
+        <p:nvSpPr>
+          <p:cNvPr id="19" name="별: 꼭짓점 5개 18">
+            <a:extLst>
+              <a:ext uri="{FF2B5EF4-FFF2-40B4-BE49-F238E27FC236}">
+                <a16:creationId xmlns:a16="http://schemas.microsoft.com/office/drawing/2014/main" id="{3D70AC6D-9445-6887-765B-F6F45FB028FA}"/>
+              </a:ext>
+            </a:extLst>
+          </p:cNvPr>
+          <p:cNvSpPr/>
+          <p:nvPr/>
+        </p:nvSpPr>
+        <p:spPr>
+          <a:xfrm>
+            <a:off x="4755411" y="4009206"/>
+            <a:ext cx="411126" cy="410395"/>
+          </a:xfrm>
+          <a:prstGeom prst="star5">
+            <a:avLst/>
+          </a:prstGeom>
+          <a:solidFill>
+            <a:schemeClr val="bg1"/>
+          </a:solidFill>
+        </p:spPr>
+        <p:style>
+          <a:lnRef idx="2">
+            <a:schemeClr val="accent1">
+              <a:shade val="15000"/>
+            </a:schemeClr>
+          </a:lnRef>
+          <a:fillRef idx="1">
+            <a:schemeClr val="accent1"/>
+          </a:fillRef>
+          <a:effectRef idx="0">
+            <a:schemeClr val="accent1"/>
+          </a:effectRef>
+          <a:fontRef idx="minor">
+            <a:schemeClr val="lt1"/>
+          </a:fontRef>
+        </p:style>
+        <p:txBody>
+          <a:bodyPr rtlCol="0" anchor="ctr"/>
+          <a:lstStyle/>
+          <a:p>
+            <a:pPr algn="ctr"/>
+            <a:endParaRPr lang="ko-KR" altLang="en-US"/>
+          </a:p>
+        </p:txBody>
+      </p:sp>
+      <p:sp>
+        <p:nvSpPr>
+          <p:cNvPr id="20" name="별: 꼭짓점 5개 19">
+            <a:extLst>
+              <a:ext uri="{FF2B5EF4-FFF2-40B4-BE49-F238E27FC236}">
+                <a16:creationId xmlns:a16="http://schemas.microsoft.com/office/drawing/2014/main" id="{A828067D-98B6-771E-499A-053CE4C7E2E0}"/>
+              </a:ext>
+            </a:extLst>
+          </p:cNvPr>
+          <p:cNvSpPr/>
+          <p:nvPr/>
+        </p:nvSpPr>
+        <p:spPr>
+          <a:xfrm>
+            <a:off x="4276059" y="4009206"/>
+            <a:ext cx="411126" cy="410395"/>
+          </a:xfrm>
+          <a:prstGeom prst="star5">
+            <a:avLst/>
+          </a:prstGeom>
+          <a:solidFill>
+            <a:schemeClr val="bg1"/>
+          </a:solidFill>
+        </p:spPr>
+        <p:style>
+          <a:lnRef idx="2">
+            <a:schemeClr val="accent1">
+              <a:shade val="15000"/>
+            </a:schemeClr>
+          </a:lnRef>
+          <a:fillRef idx="1">
+            <a:schemeClr val="accent1"/>
+          </a:fillRef>
+          <a:effectRef idx="0">
+            <a:schemeClr val="accent1"/>
+          </a:effectRef>
+          <a:fontRef idx="minor">
+            <a:schemeClr val="lt1"/>
+          </a:fontRef>
+        </p:style>
+        <p:txBody>
+          <a:bodyPr rtlCol="0" anchor="ctr"/>
+          <a:lstStyle/>
+          <a:p>
+            <a:pPr algn="ctr"/>
+            <a:endParaRPr lang="ko-KR" altLang="en-US"/>
+          </a:p>
+        </p:txBody>
+      </p:sp>
+      <p:sp>
+        <p:nvSpPr>
+          <p:cNvPr id="21" name="별: 꼭짓점 5개 20">
+            <a:extLst>
+              <a:ext uri="{FF2B5EF4-FFF2-40B4-BE49-F238E27FC236}">
+                <a16:creationId xmlns:a16="http://schemas.microsoft.com/office/drawing/2014/main" id="{8D4E4DD0-903B-D0B1-7D05-246E26306178}"/>
+              </a:ext>
+            </a:extLst>
+          </p:cNvPr>
+          <p:cNvSpPr/>
+          <p:nvPr/>
+        </p:nvSpPr>
+        <p:spPr>
+          <a:xfrm>
+            <a:off x="3796707" y="4009206"/>
+            <a:ext cx="411126" cy="410395"/>
+          </a:xfrm>
+          <a:prstGeom prst="star5">
+            <a:avLst/>
+          </a:prstGeom>
+          <a:solidFill>
+            <a:schemeClr val="bg1"/>
+          </a:solidFill>
+        </p:spPr>
+        <p:style>
+          <a:lnRef idx="2">
+            <a:schemeClr val="accent1">
+              <a:shade val="15000"/>
+            </a:schemeClr>
+          </a:lnRef>
+          <a:fillRef idx="1">
+            <a:schemeClr val="accent1"/>
+          </a:fillRef>
+          <a:effectRef idx="0">
+            <a:schemeClr val="accent1"/>
+          </a:effectRef>
+          <a:fontRef idx="minor">
+            <a:schemeClr val="lt1"/>
+          </a:fontRef>
+        </p:style>
+        <p:txBody>
+          <a:bodyPr rtlCol="0" anchor="ctr"/>
+          <a:lstStyle/>
+          <a:p>
+            <a:pPr algn="ctr"/>
+            <a:endParaRPr lang="ko-KR" altLang="en-US"/>
+          </a:p>
+        </p:txBody>
+      </p:sp>
+      <p:sp>
+        <p:nvSpPr>
+          <p:cNvPr id="22" name="별: 꼭짓점 5개 21">
+            <a:extLst>
+              <a:ext uri="{FF2B5EF4-FFF2-40B4-BE49-F238E27FC236}">
+                <a16:creationId xmlns:a16="http://schemas.microsoft.com/office/drawing/2014/main" id="{AC34EC22-E26E-99F9-8F6A-1B7B3CCE5DDA}"/>
+              </a:ext>
+            </a:extLst>
+          </p:cNvPr>
+          <p:cNvSpPr/>
+          <p:nvPr/>
+        </p:nvSpPr>
+        <p:spPr>
+          <a:xfrm>
+            <a:off x="3368303" y="4009206"/>
+            <a:ext cx="411126" cy="410395"/>
+          </a:xfrm>
+          <a:prstGeom prst="star5">
+            <a:avLst/>
+          </a:prstGeom>
+          <a:solidFill>
+            <a:schemeClr val="bg1"/>
+          </a:solidFill>
+        </p:spPr>
+        <p:style>
+          <a:lnRef idx="2">
+            <a:schemeClr val="accent1">
+              <a:shade val="15000"/>
+            </a:schemeClr>
+          </a:lnRef>
+          <a:fillRef idx="1">
+            <a:schemeClr val="accent1"/>
+          </a:fillRef>
+          <a:effectRef idx="0">
+            <a:schemeClr val="accent1"/>
+          </a:effectRef>
+          <a:fontRef idx="minor">
+            <a:schemeClr val="lt1"/>
+          </a:fontRef>
+        </p:style>
+        <p:txBody>
+          <a:bodyPr rtlCol="0" anchor="ctr"/>
+          <a:lstStyle/>
+          <a:p>
+            <a:pPr algn="ctr"/>
+            <a:endParaRPr lang="ko-KR" altLang="en-US"/>
+          </a:p>
+        </p:txBody>
+      </p:sp>
+      <p:sp>
+        <p:nvSpPr>
+          <p:cNvPr id="23" name="별: 꼭짓점 5개 22">
+            <a:extLst>
+              <a:ext uri="{FF2B5EF4-FFF2-40B4-BE49-F238E27FC236}">
+                <a16:creationId xmlns:a16="http://schemas.microsoft.com/office/drawing/2014/main" id="{DEC69538-7299-0AC9-E24B-DA0C45C24FEC}"/>
+              </a:ext>
+            </a:extLst>
+          </p:cNvPr>
+          <p:cNvSpPr/>
+          <p:nvPr/>
+        </p:nvSpPr>
+        <p:spPr>
+          <a:xfrm>
+            <a:off x="2888951" y="4009206"/>
+            <a:ext cx="411126" cy="410395"/>
+          </a:xfrm>
+          <a:prstGeom prst="star5">
+            <a:avLst/>
+          </a:prstGeom>
+          <a:solidFill>
+            <a:schemeClr val="bg1"/>
+          </a:solidFill>
+        </p:spPr>
+        <p:style>
+          <a:lnRef idx="2">
+            <a:schemeClr val="accent1">
+              <a:shade val="15000"/>
+            </a:schemeClr>
+          </a:lnRef>
+          <a:fillRef idx="1">
+            <a:schemeClr val="accent1"/>
+          </a:fillRef>
+          <a:effectRef idx="0">
+            <a:schemeClr val="accent1"/>
+          </a:effectRef>
+          <a:fontRef idx="minor">
+            <a:schemeClr val="lt1"/>
+          </a:fontRef>
+        </p:style>
+        <p:txBody>
+          <a:bodyPr rtlCol="0" anchor="ctr"/>
+          <a:lstStyle/>
+          <a:p>
+            <a:pPr algn="ctr"/>
+            <a:endParaRPr lang="ko-KR" altLang="en-US"/>
+          </a:p>
+        </p:txBody>
+      </p:sp>
+      <p:sp>
+        <p:nvSpPr>
+          <p:cNvPr id="24" name="별: 꼭짓점 5개 23">
+            <a:extLst>
+              <a:ext uri="{FF2B5EF4-FFF2-40B4-BE49-F238E27FC236}">
+                <a16:creationId xmlns:a16="http://schemas.microsoft.com/office/drawing/2014/main" id="{7615435E-060C-BA23-370B-D5C917EDE997}"/>
+              </a:ext>
+            </a:extLst>
+          </p:cNvPr>
+          <p:cNvSpPr/>
+          <p:nvPr/>
+        </p:nvSpPr>
+        <p:spPr>
+          <a:xfrm>
+            <a:off x="9905114" y="4827913"/>
+            <a:ext cx="411126" cy="410395"/>
+          </a:xfrm>
+          <a:prstGeom prst="star5">
+            <a:avLst/>
+          </a:prstGeom>
+          <a:solidFill>
+            <a:schemeClr val="bg1"/>
+          </a:solidFill>
+        </p:spPr>
+        <p:style>
+          <a:lnRef idx="2">
+            <a:schemeClr val="accent1">
+              <a:shade val="15000"/>
+            </a:schemeClr>
+          </a:lnRef>
+          <a:fillRef idx="1">
+            <a:schemeClr val="accent1"/>
+          </a:fillRef>
+          <a:effectRef idx="0">
+            <a:schemeClr val="accent1"/>
+          </a:effectRef>
+          <a:fontRef idx="minor">
+            <a:schemeClr val="lt1"/>
+          </a:fontRef>
+        </p:style>
+        <p:txBody>
+          <a:bodyPr rtlCol="0" anchor="ctr"/>
+          <a:lstStyle/>
+          <a:p>
+            <a:pPr algn="ctr"/>
+            <a:endParaRPr lang="ko-KR" altLang="en-US"/>
+          </a:p>
+        </p:txBody>
+      </p:sp>
+      <p:sp>
+        <p:nvSpPr>
+          <p:cNvPr id="25" name="별: 꼭짓점 5개 24">
+            <a:extLst>
+              <a:ext uri="{FF2B5EF4-FFF2-40B4-BE49-F238E27FC236}">
+                <a16:creationId xmlns:a16="http://schemas.microsoft.com/office/drawing/2014/main" id="{D3351C2C-A89A-2823-FD3F-D65E1B5A1E7D}"/>
+              </a:ext>
+            </a:extLst>
+          </p:cNvPr>
+          <p:cNvSpPr/>
+          <p:nvPr/>
+        </p:nvSpPr>
+        <p:spPr>
+          <a:xfrm>
+            <a:off x="9425762" y="4827913"/>
+            <a:ext cx="411126" cy="410395"/>
+          </a:xfrm>
+          <a:prstGeom prst="star5">
+            <a:avLst/>
+          </a:prstGeom>
+          <a:solidFill>
+            <a:schemeClr val="bg1"/>
+          </a:solidFill>
+        </p:spPr>
+        <p:style>
+          <a:lnRef idx="2">
+            <a:schemeClr val="accent1">
+              <a:shade val="15000"/>
+            </a:schemeClr>
+          </a:lnRef>
+          <a:fillRef idx="1">
+            <a:schemeClr val="accent1"/>
+          </a:fillRef>
+          <a:effectRef idx="0">
+            <a:schemeClr val="accent1"/>
+          </a:effectRef>
+          <a:fontRef idx="minor">
+            <a:schemeClr val="lt1"/>
+          </a:fontRef>
+        </p:style>
+        <p:txBody>
+          <a:bodyPr rtlCol="0" anchor="ctr"/>
+          <a:lstStyle/>
+          <a:p>
+            <a:pPr algn="ctr"/>
+            <a:endParaRPr lang="ko-KR" altLang="en-US"/>
+          </a:p>
+        </p:txBody>
+      </p:sp>
+      <p:sp>
+        <p:nvSpPr>
+          <p:cNvPr id="26" name="별: 꼭짓점 5개 25">
+            <a:extLst>
+              <a:ext uri="{FF2B5EF4-FFF2-40B4-BE49-F238E27FC236}">
+                <a16:creationId xmlns:a16="http://schemas.microsoft.com/office/drawing/2014/main" id="{73F3B797-DE6C-F8EB-D38A-D514C60EB29C}"/>
+              </a:ext>
+            </a:extLst>
+          </p:cNvPr>
+          <p:cNvSpPr/>
+          <p:nvPr/>
+        </p:nvSpPr>
+        <p:spPr>
+          <a:xfrm>
+            <a:off x="8946410" y="4827913"/>
+            <a:ext cx="411126" cy="410395"/>
+          </a:xfrm>
+          <a:prstGeom prst="star5">
+            <a:avLst/>
+          </a:prstGeom>
+          <a:solidFill>
+            <a:schemeClr val="bg1"/>
+          </a:solidFill>
+        </p:spPr>
+        <p:style>
+          <a:lnRef idx="2">
+            <a:schemeClr val="accent1">
+              <a:shade val="15000"/>
+            </a:schemeClr>
+          </a:lnRef>
+          <a:fillRef idx="1">
+            <a:schemeClr val="accent1"/>
+          </a:fillRef>
+          <a:effectRef idx="0">
+            <a:schemeClr val="accent1"/>
+          </a:effectRef>
+          <a:fontRef idx="minor">
+            <a:schemeClr val="lt1"/>
+          </a:fontRef>
+        </p:style>
+        <p:txBody>
+          <a:bodyPr rtlCol="0" anchor="ctr"/>
+          <a:lstStyle/>
+          <a:p>
+            <a:pPr algn="ctr"/>
+            <a:endParaRPr lang="ko-KR" altLang="en-US"/>
+          </a:p>
+        </p:txBody>
+      </p:sp>
+      <p:sp>
+        <p:nvSpPr>
+          <p:cNvPr id="27" name="별: 꼭짓점 5개 26">
+            <a:extLst>
+              <a:ext uri="{FF2B5EF4-FFF2-40B4-BE49-F238E27FC236}">
+                <a16:creationId xmlns:a16="http://schemas.microsoft.com/office/drawing/2014/main" id="{07AC1232-F04D-B21B-4250-2C498E00D77A}"/>
+              </a:ext>
+            </a:extLst>
+          </p:cNvPr>
+          <p:cNvSpPr/>
+          <p:nvPr/>
+        </p:nvSpPr>
+        <p:spPr>
+          <a:xfrm>
+            <a:off x="8518006" y="4827913"/>
+            <a:ext cx="411126" cy="410395"/>
+          </a:xfrm>
+          <a:prstGeom prst="star5">
+            <a:avLst/>
+          </a:prstGeom>
+          <a:solidFill>
+            <a:srgbClr val="FFFF00"/>
+          </a:solidFill>
+        </p:spPr>
+        <p:style>
+          <a:lnRef idx="2">
+            <a:schemeClr val="accent1">
+              <a:shade val="15000"/>
+            </a:schemeClr>
+          </a:lnRef>
+          <a:fillRef idx="1">
+            <a:schemeClr val="accent1"/>
+          </a:fillRef>
+          <a:effectRef idx="0">
+            <a:schemeClr val="accent1"/>
+          </a:effectRef>
+          <a:fontRef idx="minor">
+            <a:schemeClr val="lt1"/>
+          </a:fontRef>
+        </p:style>
+        <p:txBody>
+          <a:bodyPr rtlCol="0" anchor="ctr"/>
+          <a:lstStyle/>
+          <a:p>
+            <a:pPr algn="ctr"/>
+            <a:endParaRPr lang="ko-KR" altLang="en-US"/>
+          </a:p>
+        </p:txBody>
+      </p:sp>
+      <p:sp>
+        <p:nvSpPr>
+          <p:cNvPr id="28" name="별: 꼭짓점 5개 27">
+            <a:extLst>
+              <a:ext uri="{FF2B5EF4-FFF2-40B4-BE49-F238E27FC236}">
+                <a16:creationId xmlns:a16="http://schemas.microsoft.com/office/drawing/2014/main" id="{B197CFDB-7110-BF52-D7B7-FC935385860B}"/>
+              </a:ext>
+            </a:extLst>
+          </p:cNvPr>
+          <p:cNvSpPr/>
+          <p:nvPr/>
+        </p:nvSpPr>
+        <p:spPr>
+          <a:xfrm>
+            <a:off x="8038654" y="4827913"/>
+            <a:ext cx="411126" cy="410395"/>
+          </a:xfrm>
+          <a:prstGeom prst="star5">
+            <a:avLst/>
+          </a:prstGeom>
+          <a:solidFill>
+            <a:srgbClr val="FFFF00"/>
+          </a:solidFill>
+        </p:spPr>
+        <p:style>
+          <a:lnRef idx="2">
+            <a:schemeClr val="accent1">
+              <a:shade val="15000"/>
+            </a:schemeClr>
+          </a:lnRef>
+          <a:fillRef idx="1">
+            <a:schemeClr val="accent1"/>
+          </a:fillRef>
+          <a:effectRef idx="0">
+            <a:schemeClr val="accent1"/>
+          </a:effectRef>
+          <a:fontRef idx="minor">
+            <a:schemeClr val="lt1"/>
+          </a:fontRef>
+        </p:style>
+        <p:txBody>
+          <a:bodyPr rtlCol="0" anchor="ctr"/>
+          <a:lstStyle/>
+          <a:p>
+            <a:pPr algn="ctr"/>
+            <a:endParaRPr lang="ko-KR" altLang="en-US"/>
+          </a:p>
+        </p:txBody>
+      </p:sp>
+      <p:sp>
+        <p:nvSpPr>
+          <p:cNvPr id="29" name="별: 꼭짓점 5개 28">
+            <a:extLst>
+              <a:ext uri="{FF2B5EF4-FFF2-40B4-BE49-F238E27FC236}">
+                <a16:creationId xmlns:a16="http://schemas.microsoft.com/office/drawing/2014/main" id="{F95F116C-CF9F-559A-3247-70201D742D97}"/>
+              </a:ext>
+            </a:extLst>
+          </p:cNvPr>
+          <p:cNvSpPr/>
+          <p:nvPr/>
+        </p:nvSpPr>
+        <p:spPr>
+          <a:xfrm>
+            <a:off x="9271147" y="5585419"/>
+            <a:ext cx="411126" cy="410395"/>
+          </a:xfrm>
+          <a:prstGeom prst="star5">
+            <a:avLst/>
+          </a:prstGeom>
+          <a:solidFill>
+            <a:schemeClr val="bg1"/>
+          </a:solidFill>
+        </p:spPr>
+        <p:style>
+          <a:lnRef idx="2">
+            <a:schemeClr val="accent1">
+              <a:shade val="15000"/>
+            </a:schemeClr>
+          </a:lnRef>
+          <a:fillRef idx="1">
+            <a:schemeClr val="accent1"/>
+          </a:fillRef>
+          <a:effectRef idx="0">
+            <a:schemeClr val="accent1"/>
+          </a:effectRef>
+          <a:fontRef idx="minor">
+            <a:schemeClr val="lt1"/>
+          </a:fontRef>
+        </p:style>
+        <p:txBody>
+          <a:bodyPr rtlCol="0" anchor="ctr"/>
+          <a:lstStyle/>
+          <a:p>
+            <a:pPr algn="ctr"/>
+            <a:endParaRPr lang="ko-KR" altLang="en-US"/>
+          </a:p>
+        </p:txBody>
+      </p:sp>
+      <p:sp>
+        <p:nvSpPr>
+          <p:cNvPr id="30" name="별: 꼭짓점 5개 29">
+            <a:extLst>
+              <a:ext uri="{FF2B5EF4-FFF2-40B4-BE49-F238E27FC236}">
+                <a16:creationId xmlns:a16="http://schemas.microsoft.com/office/drawing/2014/main" id="{56550F15-1784-A6F3-900D-3BD0ED9970A2}"/>
+              </a:ext>
+            </a:extLst>
+          </p:cNvPr>
+          <p:cNvSpPr/>
+          <p:nvPr/>
+        </p:nvSpPr>
+        <p:spPr>
+          <a:xfrm>
+            <a:off x="8791795" y="5585419"/>
+            <a:ext cx="411126" cy="410395"/>
+          </a:xfrm>
+          <a:prstGeom prst="star5">
+            <a:avLst/>
+          </a:prstGeom>
+          <a:solidFill>
+            <a:schemeClr val="bg1"/>
+          </a:solidFill>
+        </p:spPr>
+        <p:style>
+          <a:lnRef idx="2">
+            <a:schemeClr val="accent1">
+              <a:shade val="15000"/>
+            </a:schemeClr>
+          </a:lnRef>
+          <a:fillRef idx="1">
+            <a:schemeClr val="accent1"/>
+          </a:fillRef>
+          <a:effectRef idx="0">
+            <a:schemeClr val="accent1"/>
+          </a:effectRef>
+          <a:fontRef idx="minor">
+            <a:schemeClr val="lt1"/>
+          </a:fontRef>
+        </p:style>
+        <p:txBody>
+          <a:bodyPr rtlCol="0" anchor="ctr"/>
+          <a:lstStyle/>
+          <a:p>
+            <a:pPr algn="ctr"/>
+            <a:endParaRPr lang="ko-KR" altLang="en-US"/>
+          </a:p>
+        </p:txBody>
+      </p:sp>
+      <p:sp>
+        <p:nvSpPr>
+          <p:cNvPr id="31" name="별: 꼭짓점 5개 30">
+            <a:extLst>
+              <a:ext uri="{FF2B5EF4-FFF2-40B4-BE49-F238E27FC236}">
+                <a16:creationId xmlns:a16="http://schemas.microsoft.com/office/drawing/2014/main" id="{43FC6A3B-450D-EA0A-F71D-EB5D656611C1}"/>
+              </a:ext>
+            </a:extLst>
+          </p:cNvPr>
+          <p:cNvSpPr/>
+          <p:nvPr/>
+        </p:nvSpPr>
+        <p:spPr>
+          <a:xfrm>
+            <a:off x="8312443" y="5585419"/>
+            <a:ext cx="411126" cy="410395"/>
+          </a:xfrm>
+          <a:prstGeom prst="star5">
+            <a:avLst/>
+          </a:prstGeom>
+          <a:solidFill>
+            <a:srgbClr val="FFFF00"/>
+          </a:solidFill>
+        </p:spPr>
+        <p:style>
+          <a:lnRef idx="2">
+            <a:schemeClr val="accent1">
+              <a:shade val="15000"/>
+            </a:schemeClr>
+          </a:lnRef>
+          <a:fillRef idx="1">
+            <a:schemeClr val="accent1"/>
+          </a:fillRef>
+          <a:effectRef idx="0">
+            <a:schemeClr val="accent1"/>
+          </a:effectRef>
+          <a:fontRef idx="minor">
+            <a:schemeClr val="lt1"/>
+          </a:fontRef>
+        </p:style>
+        <p:txBody>
+          <a:bodyPr rtlCol="0" anchor="ctr"/>
+          <a:lstStyle/>
+          <a:p>
+            <a:pPr algn="ctr"/>
+            <a:endParaRPr lang="ko-KR" altLang="en-US"/>
+          </a:p>
+        </p:txBody>
+      </p:sp>
+      <p:sp>
+        <p:nvSpPr>
+          <p:cNvPr id="32" name="별: 꼭짓점 5개 31">
+            <a:extLst>
+              <a:ext uri="{FF2B5EF4-FFF2-40B4-BE49-F238E27FC236}">
+                <a16:creationId xmlns:a16="http://schemas.microsoft.com/office/drawing/2014/main" id="{170E22EE-1674-005D-2B0D-7E9D2B7B2A9B}"/>
+              </a:ext>
+            </a:extLst>
+          </p:cNvPr>
+          <p:cNvSpPr/>
+          <p:nvPr/>
+        </p:nvSpPr>
+        <p:spPr>
+          <a:xfrm>
+            <a:off x="7884039" y="5585419"/>
+            <a:ext cx="411126" cy="410395"/>
+          </a:xfrm>
+          <a:prstGeom prst="star5">
+            <a:avLst/>
+          </a:prstGeom>
+          <a:solidFill>
+            <a:srgbClr val="FFFF00"/>
+          </a:solidFill>
+        </p:spPr>
+        <p:style>
+          <a:lnRef idx="2">
+            <a:schemeClr val="accent1">
+              <a:shade val="15000"/>
+            </a:schemeClr>
+          </a:lnRef>
+          <a:fillRef idx="1">
+            <a:schemeClr val="accent1"/>
+          </a:fillRef>
+          <a:effectRef idx="0">
+            <a:schemeClr val="accent1"/>
+          </a:effectRef>
+          <a:fontRef idx="minor">
+            <a:schemeClr val="lt1"/>
+          </a:fontRef>
+        </p:style>
+        <p:txBody>
+          <a:bodyPr rtlCol="0" anchor="ctr"/>
+          <a:lstStyle/>
+          <a:p>
+            <a:pPr algn="ctr"/>
+            <a:endParaRPr lang="ko-KR" altLang="en-US"/>
+          </a:p>
+        </p:txBody>
+      </p:sp>
+      <p:sp>
+        <p:nvSpPr>
+          <p:cNvPr id="33" name="별: 꼭짓점 5개 32">
+            <a:extLst>
+              <a:ext uri="{FF2B5EF4-FFF2-40B4-BE49-F238E27FC236}">
+                <a16:creationId xmlns:a16="http://schemas.microsoft.com/office/drawing/2014/main" id="{908DE411-4286-A076-5A67-29273C07EE18}"/>
+              </a:ext>
+            </a:extLst>
+          </p:cNvPr>
+          <p:cNvSpPr/>
+          <p:nvPr/>
+        </p:nvSpPr>
+        <p:spPr>
+          <a:xfrm>
+            <a:off x="7404687" y="5585419"/>
+            <a:ext cx="411126" cy="410395"/>
+          </a:xfrm>
+          <a:prstGeom prst="star5">
+            <a:avLst/>
+          </a:prstGeom>
+          <a:solidFill>
+            <a:srgbClr val="FFFF00"/>
+          </a:solidFill>
+        </p:spPr>
+        <p:style>
+          <a:lnRef idx="2">
+            <a:schemeClr val="accent1">
+              <a:shade val="15000"/>
+            </a:schemeClr>
+          </a:lnRef>
+          <a:fillRef idx="1">
+            <a:schemeClr val="accent1"/>
+          </a:fillRef>
+          <a:effectRef idx="0">
+            <a:schemeClr val="accent1"/>
+          </a:effectRef>
+          <a:fontRef idx="minor">
+            <a:schemeClr val="lt1"/>
+          </a:fontRef>
+        </p:style>
+        <p:txBody>
+          <a:bodyPr rtlCol="0" anchor="ctr"/>
+          <a:lstStyle/>
+          <a:p>
+            <a:pPr algn="ctr"/>
+            <a:endParaRPr lang="ko-KR" altLang="en-US"/>
+          </a:p>
+        </p:txBody>
+      </p:sp>
+    </p:spTree>
+    <p:extLst>
+      <p:ext uri="{BB962C8B-B14F-4D97-AF65-F5344CB8AC3E}">
+        <p14:creationId xmlns:p14="http://schemas.microsoft.com/office/powerpoint/2010/main" val="4132242735"/>
+      </p:ext>
+    </p:extLst>
+  </p:cSld>
+  <p:clrMapOvr>
+    <a:masterClrMapping/>
+  </p:clrMapOvr>
+</p:sld>
+</file>
+
+<file path=ppt/slides/slide7.xml><?xml version="1.0" encoding="utf-8"?>
+<p:sld xmlns:a="http://schemas.openxmlformats.org/drawingml/2006/main" xmlns:r="http://schemas.openxmlformats.org/officeDocument/2006/relationships" xmlns:p="http://schemas.openxmlformats.org/presentationml/2006/main">
+  <p:cSld>
+    <p:spTree>
+      <p:nvGrpSpPr>
+        <p:cNvPr id="1" name=""/>
+        <p:cNvGrpSpPr/>
+        <p:nvPr/>
+      </p:nvGrpSpPr>
+      <p:grpSpPr>
+        <a:xfrm>
+          <a:off x="0" y="0"/>
+          <a:ext cx="0" cy="0"/>
+          <a:chOff x="0" y="0"/>
+          <a:chExt cx="0" cy="0"/>
+        </a:xfrm>
+      </p:grpSpPr>
+      <p:sp>
+        <p:nvSpPr>
+          <p:cNvPr id="4" name="내용 개체 틀 2">
+            <a:extLst>
+              <a:ext uri="{FF2B5EF4-FFF2-40B4-BE49-F238E27FC236}">
+                <a16:creationId xmlns:a16="http://schemas.microsoft.com/office/drawing/2014/main" id="{D9C0F357-3DBE-EC4E-9DF5-4944B89B0270}"/>
+              </a:ext>
+            </a:extLst>
+          </p:cNvPr>
+          <p:cNvSpPr>
+            <a:spLocks noGrp="1"/>
+          </p:cNvSpPr>
+          <p:nvPr>
+            <p:ph idx="1"/>
+          </p:nvPr>
+        </p:nvSpPr>
+        <p:spPr>
+          <a:xfrm>
+            <a:off x="0" y="1182448"/>
+            <a:ext cx="12041372" cy="4351338"/>
+          </a:xfrm>
+        </p:spPr>
+        <p:txBody>
+          <a:bodyPr>
+            <a:normAutofit/>
+          </a:bodyPr>
+          <a:lstStyle/>
+          <a:p>
+            <a:r>
+              <a:rPr lang="ko-KR" altLang="en-US" dirty="0"/>
+              <a:t>대량의 객체 처리</a:t>
+            </a:r>
+            <a:r>
+              <a:rPr lang="en-US" altLang="ko-KR" dirty="0"/>
+              <a:t>: </a:t>
+            </a:r>
+          </a:p>
+          <a:p>
+            <a:pPr marL="0" indent="0">
+              <a:buNone/>
+            </a:pPr>
+            <a:r>
+              <a:rPr lang="ko-KR" altLang="en-US" dirty="0"/>
+              <a:t>공간 분할 기법 </a:t>
+            </a:r>
+            <a:r>
+              <a:rPr lang="en-US" altLang="ko-KR" dirty="0"/>
+              <a:t>,</a:t>
+            </a:r>
+            <a:r>
+              <a:rPr lang="ko-KR" altLang="en-US" dirty="0" err="1"/>
+              <a:t>메쉬</a:t>
+            </a:r>
+            <a:r>
+              <a:rPr lang="ko-KR" altLang="en-US" dirty="0"/>
+              <a:t> </a:t>
+            </a:r>
+            <a:r>
+              <a:rPr lang="ko-KR" altLang="en-US" dirty="0" err="1"/>
+              <a:t>인스턴싱</a:t>
+            </a:r>
+            <a:r>
+              <a:rPr lang="ko-KR" altLang="en-US" dirty="0"/>
+              <a:t> </a:t>
+            </a:r>
+            <a:r>
+              <a:rPr lang="en-US" altLang="ko-KR" dirty="0"/>
+              <a:t>,</a:t>
+            </a:r>
+            <a:r>
+              <a:rPr lang="ko-KR" altLang="en-US" dirty="0"/>
+              <a:t>배치처리 </a:t>
+            </a:r>
+            <a:r>
+              <a:rPr lang="ko-KR" altLang="en-US" dirty="0" err="1"/>
+              <a:t>랜더링</a:t>
+            </a:r>
+            <a:endParaRPr lang="en-US" altLang="ko-KR" dirty="0"/>
+          </a:p>
+          <a:p>
+            <a:pPr marL="0" indent="0">
+              <a:buNone/>
+            </a:pPr>
+            <a:endParaRPr lang="en-US" altLang="ko-KR" dirty="0"/>
+          </a:p>
+          <a:p>
+            <a:r>
+              <a:rPr lang="ko-KR" altLang="en-US" dirty="0"/>
+              <a:t>그림자 및 조명</a:t>
+            </a:r>
+            <a:r>
+              <a:rPr lang="en-US" altLang="ko-KR" dirty="0"/>
+              <a:t>: </a:t>
+            </a:r>
+            <a:r>
+              <a:rPr lang="ko-KR" altLang="en-US" dirty="0"/>
+              <a:t>그림자 매핑</a:t>
+            </a:r>
+            <a:endParaRPr lang="en-US" altLang="ko-KR" dirty="0"/>
+          </a:p>
+          <a:p>
+            <a:endParaRPr lang="en-US" altLang="ko-KR" dirty="0"/>
+          </a:p>
+          <a:p>
+            <a:r>
+              <a:rPr lang="en-US" altLang="ko-KR" dirty="0"/>
+              <a:t>UI </a:t>
+            </a:r>
+            <a:r>
+              <a:rPr lang="ko-KR" altLang="en-US" dirty="0"/>
+              <a:t>띄우기</a:t>
+            </a:r>
+            <a:r>
+              <a:rPr lang="en-US" altLang="ko-KR" dirty="0"/>
+              <a:t>:</a:t>
+            </a:r>
+          </a:p>
+          <a:p>
+            <a:endParaRPr lang="en-US" altLang="ko-KR" dirty="0"/>
+          </a:p>
+          <a:p>
+            <a:endParaRPr lang="en-US" altLang="ko-KR" dirty="0"/>
+          </a:p>
+          <a:p>
+            <a:endParaRPr lang="en-US" altLang="ko-KR" dirty="0"/>
+          </a:p>
+          <a:p>
+            <a:endParaRPr lang="en-US" altLang="ko-KR" dirty="0"/>
+          </a:p>
+          <a:p>
+            <a:endParaRPr lang="en-US" altLang="ko-KR" dirty="0"/>
+          </a:p>
+          <a:p>
+            <a:endParaRPr lang="en-US" altLang="ko-KR" dirty="0"/>
+          </a:p>
+        </p:txBody>
+      </p:sp>
+      <p:sp>
+        <p:nvSpPr>
+          <p:cNvPr id="5" name="제목 1">
+            <a:extLst>
+              <a:ext uri="{FF2B5EF4-FFF2-40B4-BE49-F238E27FC236}">
+                <a16:creationId xmlns:a16="http://schemas.microsoft.com/office/drawing/2014/main" id="{D3A2EDA6-C68F-F88D-BC5D-EA7E8AA499B0}"/>
+              </a:ext>
+            </a:extLst>
+          </p:cNvPr>
+          <p:cNvSpPr>
+            <a:spLocks noGrp="1"/>
+          </p:cNvSpPr>
+          <p:nvPr>
+            <p:ph type="title"/>
+          </p:nvPr>
+        </p:nvSpPr>
+        <p:spPr>
+          <a:xfrm>
+            <a:off x="363279" y="263986"/>
+            <a:ext cx="9865242" cy="634521"/>
+          </a:xfrm>
+        </p:spPr>
+        <p:txBody>
+          <a:bodyPr>
+            <a:normAutofit fontScale="90000"/>
+          </a:bodyPr>
+          <a:lstStyle/>
+          <a:p>
+            <a:r>
+              <a:rPr lang="en-US" altLang="ko-KR" dirty="0"/>
+              <a:t>TO DO</a:t>
+            </a:r>
+            <a:endParaRPr lang="ko-KR" altLang="en-US" dirty="0"/>
+          </a:p>
+        </p:txBody>
+      </p:sp>
+      <p:sp>
+        <p:nvSpPr>
+          <p:cNvPr id="6" name="별: 꼭짓점 5개 5">
+            <a:extLst>
+              <a:ext uri="{FF2B5EF4-FFF2-40B4-BE49-F238E27FC236}">
+                <a16:creationId xmlns:a16="http://schemas.microsoft.com/office/drawing/2014/main" id="{361B0F19-D3A6-2B9A-917A-FFFF072E35AC}"/>
+              </a:ext>
+            </a:extLst>
+          </p:cNvPr>
+          <p:cNvSpPr/>
+          <p:nvPr/>
+        </p:nvSpPr>
+        <p:spPr>
+          <a:xfrm>
+            <a:off x="5417735" y="1182448"/>
+            <a:ext cx="411126" cy="410395"/>
+          </a:xfrm>
+          <a:prstGeom prst="star5">
+            <a:avLst/>
+          </a:prstGeom>
+          <a:solidFill>
+            <a:schemeClr val="bg1"/>
+          </a:solidFill>
+        </p:spPr>
+        <p:style>
+          <a:lnRef idx="2">
+            <a:schemeClr val="accent1">
+              <a:shade val="15000"/>
+            </a:schemeClr>
+          </a:lnRef>
+          <a:fillRef idx="1">
+            <a:schemeClr val="accent1"/>
+          </a:fillRef>
+          <a:effectRef idx="0">
+            <a:schemeClr val="accent1"/>
+          </a:effectRef>
+          <a:fontRef idx="minor">
+            <a:schemeClr val="lt1"/>
+          </a:fontRef>
+        </p:style>
+        <p:txBody>
+          <a:bodyPr rtlCol="0" anchor="ctr"/>
+          <a:lstStyle/>
+          <a:p>
+            <a:pPr algn="ctr"/>
+            <a:endParaRPr lang="ko-KR" altLang="en-US"/>
+          </a:p>
+        </p:txBody>
+      </p:sp>
+      <p:sp>
+        <p:nvSpPr>
+          <p:cNvPr id="7" name="별: 꼭짓점 5개 6">
+            <a:extLst>
+              <a:ext uri="{FF2B5EF4-FFF2-40B4-BE49-F238E27FC236}">
+                <a16:creationId xmlns:a16="http://schemas.microsoft.com/office/drawing/2014/main" id="{B75C119A-F941-20DC-0924-BA73B7B8C6DD}"/>
+              </a:ext>
+            </a:extLst>
+          </p:cNvPr>
+          <p:cNvSpPr/>
+          <p:nvPr/>
+        </p:nvSpPr>
+        <p:spPr>
+          <a:xfrm>
+            <a:off x="4938383" y="1182448"/>
+            <a:ext cx="411126" cy="410395"/>
+          </a:xfrm>
+          <a:prstGeom prst="star5">
+            <a:avLst/>
+          </a:prstGeom>
+          <a:solidFill>
+            <a:schemeClr val="bg1"/>
+          </a:solidFill>
+        </p:spPr>
+        <p:style>
+          <a:lnRef idx="2">
+            <a:schemeClr val="accent1">
+              <a:shade val="15000"/>
+            </a:schemeClr>
+          </a:lnRef>
+          <a:fillRef idx="1">
+            <a:schemeClr val="accent1"/>
+          </a:fillRef>
+          <a:effectRef idx="0">
+            <a:schemeClr val="accent1"/>
+          </a:effectRef>
+          <a:fontRef idx="minor">
+            <a:schemeClr val="lt1"/>
+          </a:fontRef>
+        </p:style>
+        <p:txBody>
+          <a:bodyPr rtlCol="0" anchor="ctr"/>
+          <a:lstStyle/>
+          <a:p>
+            <a:pPr algn="ctr"/>
+            <a:endParaRPr lang="ko-KR" altLang="en-US"/>
+          </a:p>
+        </p:txBody>
+      </p:sp>
+      <p:sp>
+        <p:nvSpPr>
+          <p:cNvPr id="8" name="별: 꼭짓점 5개 7">
+            <a:extLst>
+              <a:ext uri="{FF2B5EF4-FFF2-40B4-BE49-F238E27FC236}">
+                <a16:creationId xmlns:a16="http://schemas.microsoft.com/office/drawing/2014/main" id="{B235C604-B761-C2BC-C4A8-BCD71D51D4A7}"/>
+              </a:ext>
+            </a:extLst>
+          </p:cNvPr>
+          <p:cNvSpPr/>
+          <p:nvPr/>
+        </p:nvSpPr>
+        <p:spPr>
+          <a:xfrm>
+            <a:off x="4459031" y="1182448"/>
+            <a:ext cx="411126" cy="410395"/>
+          </a:xfrm>
+          <a:prstGeom prst="star5">
+            <a:avLst/>
+          </a:prstGeom>
+          <a:solidFill>
+            <a:srgbClr val="FFFF00"/>
+          </a:solidFill>
+        </p:spPr>
+        <p:style>
+          <a:lnRef idx="2">
+            <a:schemeClr val="accent1">
+              <a:shade val="15000"/>
+            </a:schemeClr>
+          </a:lnRef>
+          <a:fillRef idx="1">
+            <a:schemeClr val="accent1"/>
+          </a:fillRef>
+          <a:effectRef idx="0">
+            <a:schemeClr val="accent1"/>
+          </a:effectRef>
+          <a:fontRef idx="minor">
+            <a:schemeClr val="lt1"/>
+          </a:fontRef>
+        </p:style>
+        <p:txBody>
+          <a:bodyPr rtlCol="0" anchor="ctr"/>
+          <a:lstStyle/>
+          <a:p>
+            <a:pPr algn="ctr"/>
+            <a:endParaRPr lang="ko-KR" altLang="en-US"/>
+          </a:p>
+        </p:txBody>
+      </p:sp>
+      <p:sp>
+        <p:nvSpPr>
+          <p:cNvPr id="9" name="별: 꼭짓점 5개 8">
+            <a:extLst>
+              <a:ext uri="{FF2B5EF4-FFF2-40B4-BE49-F238E27FC236}">
+                <a16:creationId xmlns:a16="http://schemas.microsoft.com/office/drawing/2014/main" id="{25D94241-9C49-2CCB-72C3-E7BABE5F8B9F}"/>
+              </a:ext>
+            </a:extLst>
+          </p:cNvPr>
+          <p:cNvSpPr/>
+          <p:nvPr/>
+        </p:nvSpPr>
+        <p:spPr>
+          <a:xfrm>
+            <a:off x="4030627" y="1182448"/>
+            <a:ext cx="411126" cy="410395"/>
+          </a:xfrm>
+          <a:prstGeom prst="star5">
+            <a:avLst/>
+          </a:prstGeom>
+          <a:solidFill>
+            <a:srgbClr val="FFFF00"/>
+          </a:solidFill>
+        </p:spPr>
+        <p:style>
+          <a:lnRef idx="2">
+            <a:schemeClr val="accent1">
+              <a:shade val="15000"/>
+            </a:schemeClr>
+          </a:lnRef>
+          <a:fillRef idx="1">
+            <a:schemeClr val="accent1"/>
+          </a:fillRef>
+          <a:effectRef idx="0">
+            <a:schemeClr val="accent1"/>
+          </a:effectRef>
+          <a:fontRef idx="minor">
+            <a:schemeClr val="lt1"/>
+          </a:fontRef>
+        </p:style>
+        <p:txBody>
+          <a:bodyPr rtlCol="0" anchor="ctr"/>
+          <a:lstStyle/>
+          <a:p>
+            <a:pPr algn="ctr"/>
+            <a:endParaRPr lang="ko-KR" altLang="en-US"/>
+          </a:p>
+        </p:txBody>
+      </p:sp>
+      <p:sp>
+        <p:nvSpPr>
+          <p:cNvPr id="10" name="별: 꼭짓점 5개 9">
+            <a:extLst>
+              <a:ext uri="{FF2B5EF4-FFF2-40B4-BE49-F238E27FC236}">
+                <a16:creationId xmlns:a16="http://schemas.microsoft.com/office/drawing/2014/main" id="{CEE3D254-676C-194A-8F85-C95E1A5BD6EB}"/>
+              </a:ext>
+            </a:extLst>
+          </p:cNvPr>
+          <p:cNvSpPr/>
+          <p:nvPr/>
+        </p:nvSpPr>
+        <p:spPr>
+          <a:xfrm>
+            <a:off x="3551275" y="1182448"/>
+            <a:ext cx="411126" cy="410395"/>
+          </a:xfrm>
+          <a:prstGeom prst="star5">
+            <a:avLst/>
+          </a:prstGeom>
+          <a:solidFill>
+            <a:srgbClr val="FFFF00"/>
+          </a:solidFill>
+        </p:spPr>
+        <p:style>
+          <a:lnRef idx="2">
+            <a:schemeClr val="accent1">
+              <a:shade val="15000"/>
+            </a:schemeClr>
+          </a:lnRef>
+          <a:fillRef idx="1">
+            <a:schemeClr val="accent1"/>
+          </a:fillRef>
+          <a:effectRef idx="0">
+            <a:schemeClr val="accent1"/>
+          </a:effectRef>
+          <a:fontRef idx="minor">
+            <a:schemeClr val="lt1"/>
+          </a:fontRef>
+        </p:style>
+        <p:txBody>
+          <a:bodyPr rtlCol="0" anchor="ctr"/>
+          <a:lstStyle/>
+          <a:p>
+            <a:pPr algn="ctr"/>
+            <a:endParaRPr lang="ko-KR" altLang="en-US"/>
+          </a:p>
+        </p:txBody>
+      </p:sp>
+      <p:sp>
+        <p:nvSpPr>
+          <p:cNvPr id="11" name="별: 꼭짓점 5개 10">
+            <a:extLst>
+              <a:ext uri="{FF2B5EF4-FFF2-40B4-BE49-F238E27FC236}">
+                <a16:creationId xmlns:a16="http://schemas.microsoft.com/office/drawing/2014/main" id="{E194444C-0782-B5DD-60C2-CF0ECB59CA7A}"/>
+              </a:ext>
+            </a:extLst>
+          </p:cNvPr>
+          <p:cNvSpPr/>
+          <p:nvPr/>
+        </p:nvSpPr>
+        <p:spPr>
+          <a:xfrm>
+            <a:off x="6849141" y="2663781"/>
+            <a:ext cx="411126" cy="410395"/>
+          </a:xfrm>
+          <a:prstGeom prst="star5">
+            <a:avLst/>
+          </a:prstGeom>
+          <a:solidFill>
+            <a:schemeClr val="bg1"/>
+          </a:solidFill>
+        </p:spPr>
+        <p:style>
+          <a:lnRef idx="2">
+            <a:schemeClr val="accent1">
+              <a:shade val="15000"/>
+            </a:schemeClr>
+          </a:lnRef>
+          <a:fillRef idx="1">
+            <a:schemeClr val="accent1"/>
+          </a:fillRef>
+          <a:effectRef idx="0">
+            <a:schemeClr val="accent1"/>
+          </a:effectRef>
+          <a:fontRef idx="minor">
+            <a:schemeClr val="lt1"/>
+          </a:fontRef>
+        </p:style>
+        <p:txBody>
+          <a:bodyPr rtlCol="0" anchor="ctr"/>
+          <a:lstStyle/>
+          <a:p>
+            <a:pPr algn="ctr"/>
+            <a:endParaRPr lang="ko-KR" altLang="en-US"/>
+          </a:p>
+        </p:txBody>
+      </p:sp>
+      <p:sp>
+        <p:nvSpPr>
+          <p:cNvPr id="12" name="별: 꼭짓점 5개 11">
+            <a:extLst>
+              <a:ext uri="{FF2B5EF4-FFF2-40B4-BE49-F238E27FC236}">
+                <a16:creationId xmlns:a16="http://schemas.microsoft.com/office/drawing/2014/main" id="{013871C5-8AAC-4758-903B-AD4982C171B5}"/>
+              </a:ext>
+            </a:extLst>
+          </p:cNvPr>
+          <p:cNvSpPr/>
+          <p:nvPr/>
+        </p:nvSpPr>
+        <p:spPr>
+          <a:xfrm>
+            <a:off x="6369789" y="2663781"/>
+            <a:ext cx="411126" cy="410395"/>
+          </a:xfrm>
+          <a:prstGeom prst="star5">
+            <a:avLst/>
+          </a:prstGeom>
+          <a:solidFill>
+            <a:srgbClr val="FFFF00"/>
+          </a:solidFill>
+        </p:spPr>
+        <p:style>
+          <a:lnRef idx="2">
+            <a:schemeClr val="accent1">
+              <a:shade val="15000"/>
+            </a:schemeClr>
+          </a:lnRef>
+          <a:fillRef idx="1">
+            <a:schemeClr val="accent1"/>
+          </a:fillRef>
+          <a:effectRef idx="0">
+            <a:schemeClr val="accent1"/>
+          </a:effectRef>
+          <a:fontRef idx="minor">
+            <a:schemeClr val="lt1"/>
+          </a:fontRef>
+        </p:style>
+        <p:txBody>
+          <a:bodyPr rtlCol="0" anchor="ctr"/>
+          <a:lstStyle/>
+          <a:p>
+            <a:pPr algn="ctr"/>
+            <a:endParaRPr lang="ko-KR" altLang="en-US"/>
+          </a:p>
+        </p:txBody>
+      </p:sp>
+      <p:sp>
+        <p:nvSpPr>
+          <p:cNvPr id="13" name="별: 꼭짓점 5개 12">
+            <a:extLst>
+              <a:ext uri="{FF2B5EF4-FFF2-40B4-BE49-F238E27FC236}">
+                <a16:creationId xmlns:a16="http://schemas.microsoft.com/office/drawing/2014/main" id="{08DDF52B-8EE9-B7FD-3905-C5DDC83FA17E}"/>
+              </a:ext>
+            </a:extLst>
+          </p:cNvPr>
+          <p:cNvSpPr/>
+          <p:nvPr/>
+        </p:nvSpPr>
+        <p:spPr>
+          <a:xfrm>
+            <a:off x="5890437" y="2663781"/>
+            <a:ext cx="411126" cy="410395"/>
+          </a:xfrm>
+          <a:prstGeom prst="star5">
+            <a:avLst/>
+          </a:prstGeom>
+          <a:solidFill>
+            <a:srgbClr val="FFFF00"/>
+          </a:solidFill>
+        </p:spPr>
+        <p:style>
+          <a:lnRef idx="2">
+            <a:schemeClr val="accent1">
+              <a:shade val="15000"/>
+            </a:schemeClr>
+          </a:lnRef>
+          <a:fillRef idx="1">
+            <a:schemeClr val="accent1"/>
+          </a:fillRef>
+          <a:effectRef idx="0">
+            <a:schemeClr val="accent1"/>
+          </a:effectRef>
+          <a:fontRef idx="minor">
+            <a:schemeClr val="lt1"/>
+          </a:fontRef>
+        </p:style>
+        <p:txBody>
+          <a:bodyPr rtlCol="0" anchor="ctr"/>
+          <a:lstStyle/>
+          <a:p>
+            <a:pPr algn="ctr"/>
+            <a:endParaRPr lang="ko-KR" altLang="en-US"/>
+          </a:p>
+        </p:txBody>
+      </p:sp>
+      <p:sp>
+        <p:nvSpPr>
+          <p:cNvPr id="14" name="별: 꼭짓점 5개 13">
+            <a:extLst>
+              <a:ext uri="{FF2B5EF4-FFF2-40B4-BE49-F238E27FC236}">
+                <a16:creationId xmlns:a16="http://schemas.microsoft.com/office/drawing/2014/main" id="{0599EF67-F525-7969-8722-741573598D30}"/>
+              </a:ext>
+            </a:extLst>
+          </p:cNvPr>
+          <p:cNvSpPr/>
+          <p:nvPr/>
+        </p:nvSpPr>
+        <p:spPr>
+          <a:xfrm>
+            <a:off x="5462033" y="2663781"/>
+            <a:ext cx="411126" cy="410395"/>
+          </a:xfrm>
+          <a:prstGeom prst="star5">
+            <a:avLst/>
+          </a:prstGeom>
+          <a:solidFill>
+            <a:srgbClr val="FFFF00"/>
+          </a:solidFill>
+        </p:spPr>
+        <p:style>
+          <a:lnRef idx="2">
+            <a:schemeClr val="accent1">
+              <a:shade val="15000"/>
+            </a:schemeClr>
+          </a:lnRef>
+          <a:fillRef idx="1">
+            <a:schemeClr val="accent1"/>
+          </a:fillRef>
+          <a:effectRef idx="0">
+            <a:schemeClr val="accent1"/>
+          </a:effectRef>
+          <a:fontRef idx="minor">
+            <a:schemeClr val="lt1"/>
+          </a:fontRef>
+        </p:style>
+        <p:txBody>
+          <a:bodyPr rtlCol="0" anchor="ctr"/>
+          <a:lstStyle/>
+          <a:p>
+            <a:pPr algn="ctr"/>
+            <a:endParaRPr lang="ko-KR" altLang="en-US"/>
+          </a:p>
+        </p:txBody>
+      </p:sp>
+      <p:sp>
+        <p:nvSpPr>
+          <p:cNvPr id="15" name="별: 꼭짓점 5개 14">
+            <a:extLst>
+              <a:ext uri="{FF2B5EF4-FFF2-40B4-BE49-F238E27FC236}">
+                <a16:creationId xmlns:a16="http://schemas.microsoft.com/office/drawing/2014/main" id="{EC1E8149-8B5C-E638-1B14-5EF1BA2717E7}"/>
+              </a:ext>
+            </a:extLst>
+          </p:cNvPr>
+          <p:cNvSpPr/>
+          <p:nvPr/>
+        </p:nvSpPr>
+        <p:spPr>
+          <a:xfrm>
+            <a:off x="4982681" y="2663781"/>
+            <a:ext cx="411126" cy="410395"/>
+          </a:xfrm>
+          <a:prstGeom prst="star5">
+            <a:avLst/>
+          </a:prstGeom>
+          <a:solidFill>
+            <a:srgbClr val="FFFF00"/>
+          </a:solidFill>
+        </p:spPr>
+        <p:style>
+          <a:lnRef idx="2">
+            <a:schemeClr val="accent1">
+              <a:shade val="15000"/>
+            </a:schemeClr>
+          </a:lnRef>
+          <a:fillRef idx="1">
+            <a:schemeClr val="accent1"/>
+          </a:fillRef>
+          <a:effectRef idx="0">
+            <a:schemeClr val="accent1"/>
+          </a:effectRef>
+          <a:fontRef idx="minor">
+            <a:schemeClr val="lt1"/>
+          </a:fontRef>
+        </p:style>
+        <p:txBody>
+          <a:bodyPr rtlCol="0" anchor="ctr"/>
+          <a:lstStyle/>
+          <a:p>
+            <a:pPr algn="ctr"/>
+            <a:endParaRPr lang="ko-KR" altLang="en-US"/>
+          </a:p>
+        </p:txBody>
+      </p:sp>
+      <p:sp>
+        <p:nvSpPr>
+          <p:cNvPr id="16" name="별: 꼭짓점 5개 15">
+            <a:extLst>
+              <a:ext uri="{FF2B5EF4-FFF2-40B4-BE49-F238E27FC236}">
+                <a16:creationId xmlns:a16="http://schemas.microsoft.com/office/drawing/2014/main" id="{3B7006EC-F1B3-0536-1A6C-33121EC0246C}"/>
+              </a:ext>
+            </a:extLst>
+          </p:cNvPr>
+          <p:cNvSpPr/>
+          <p:nvPr/>
+        </p:nvSpPr>
+        <p:spPr>
+          <a:xfrm>
+            <a:off x="4047905" y="3729040"/>
+            <a:ext cx="411126" cy="410395"/>
+          </a:xfrm>
+          <a:prstGeom prst="star5">
+            <a:avLst/>
+          </a:prstGeom>
+          <a:solidFill>
+            <a:schemeClr val="bg1"/>
+          </a:solidFill>
+        </p:spPr>
+        <p:style>
+          <a:lnRef idx="2">
+            <a:schemeClr val="accent1">
+              <a:shade val="15000"/>
+            </a:schemeClr>
+          </a:lnRef>
+          <a:fillRef idx="1">
+            <a:schemeClr val="accent1"/>
+          </a:fillRef>
+          <a:effectRef idx="0">
+            <a:schemeClr val="accent1"/>
+          </a:effectRef>
+          <a:fontRef idx="minor">
+            <a:schemeClr val="lt1"/>
+          </a:fontRef>
+        </p:style>
+        <p:txBody>
+          <a:bodyPr rtlCol="0" anchor="ctr"/>
+          <a:lstStyle/>
+          <a:p>
+            <a:pPr algn="ctr"/>
+            <a:endParaRPr lang="ko-KR" altLang="en-US"/>
+          </a:p>
+        </p:txBody>
+      </p:sp>
+      <p:sp>
+        <p:nvSpPr>
+          <p:cNvPr id="17" name="별: 꼭짓점 5개 16">
+            <a:extLst>
+              <a:ext uri="{FF2B5EF4-FFF2-40B4-BE49-F238E27FC236}">
+                <a16:creationId xmlns:a16="http://schemas.microsoft.com/office/drawing/2014/main" id="{AD1D5245-2487-8779-3879-CC989526E5C3}"/>
+              </a:ext>
+            </a:extLst>
+          </p:cNvPr>
+          <p:cNvSpPr/>
+          <p:nvPr/>
+        </p:nvSpPr>
+        <p:spPr>
+          <a:xfrm>
+            <a:off x="3568553" y="3729040"/>
+            <a:ext cx="411126" cy="410395"/>
+          </a:xfrm>
+          <a:prstGeom prst="star5">
+            <a:avLst/>
+          </a:prstGeom>
+          <a:solidFill>
+            <a:schemeClr val="bg1"/>
+          </a:solidFill>
+        </p:spPr>
+        <p:style>
+          <a:lnRef idx="2">
+            <a:schemeClr val="accent1">
+              <a:shade val="15000"/>
+            </a:schemeClr>
+          </a:lnRef>
+          <a:fillRef idx="1">
+            <a:schemeClr val="accent1"/>
+          </a:fillRef>
+          <a:effectRef idx="0">
+            <a:schemeClr val="accent1"/>
+          </a:effectRef>
+          <a:fontRef idx="minor">
+            <a:schemeClr val="lt1"/>
+          </a:fontRef>
+        </p:style>
+        <p:txBody>
+          <a:bodyPr rtlCol="0" anchor="ctr"/>
+          <a:lstStyle/>
+          <a:p>
+            <a:pPr algn="ctr"/>
+            <a:endParaRPr lang="ko-KR" altLang="en-US"/>
+          </a:p>
+        </p:txBody>
+      </p:sp>
+      <p:sp>
+        <p:nvSpPr>
+          <p:cNvPr id="18" name="별: 꼭짓점 5개 17">
+            <a:extLst>
+              <a:ext uri="{FF2B5EF4-FFF2-40B4-BE49-F238E27FC236}">
+                <a16:creationId xmlns:a16="http://schemas.microsoft.com/office/drawing/2014/main" id="{E23DC26D-1EB2-18FF-4197-BF3AD5163541}"/>
+              </a:ext>
+            </a:extLst>
+          </p:cNvPr>
+          <p:cNvSpPr/>
+          <p:nvPr/>
+        </p:nvSpPr>
+        <p:spPr>
+          <a:xfrm>
+            <a:off x="3089201" y="3729040"/>
+            <a:ext cx="411126" cy="410395"/>
+          </a:xfrm>
+          <a:prstGeom prst="star5">
+            <a:avLst/>
+          </a:prstGeom>
+          <a:solidFill>
+            <a:schemeClr val="bg1"/>
+          </a:solidFill>
+        </p:spPr>
+        <p:style>
+          <a:lnRef idx="2">
+            <a:schemeClr val="accent1">
+              <a:shade val="15000"/>
+            </a:schemeClr>
+          </a:lnRef>
+          <a:fillRef idx="1">
+            <a:schemeClr val="accent1"/>
+          </a:fillRef>
+          <a:effectRef idx="0">
+            <a:schemeClr val="accent1"/>
+          </a:effectRef>
+          <a:fontRef idx="minor">
+            <a:schemeClr val="lt1"/>
+          </a:fontRef>
+        </p:style>
+        <p:txBody>
+          <a:bodyPr rtlCol="0" anchor="ctr"/>
+          <a:lstStyle/>
+          <a:p>
+            <a:pPr algn="ctr"/>
+            <a:endParaRPr lang="ko-KR" altLang="en-US"/>
+          </a:p>
+        </p:txBody>
+      </p:sp>
+      <p:sp>
+        <p:nvSpPr>
+          <p:cNvPr id="19" name="별: 꼭짓점 5개 18">
+            <a:extLst>
+              <a:ext uri="{FF2B5EF4-FFF2-40B4-BE49-F238E27FC236}">
+                <a16:creationId xmlns:a16="http://schemas.microsoft.com/office/drawing/2014/main" id="{E6F20182-075F-7B0B-54B8-54CC4A758C6D}"/>
+              </a:ext>
+            </a:extLst>
+          </p:cNvPr>
+          <p:cNvSpPr/>
+          <p:nvPr/>
+        </p:nvSpPr>
+        <p:spPr>
+          <a:xfrm>
+            <a:off x="2660797" y="3729040"/>
+            <a:ext cx="411126" cy="410395"/>
+          </a:xfrm>
+          <a:prstGeom prst="star5">
+            <a:avLst/>
+          </a:prstGeom>
+          <a:solidFill>
+            <a:schemeClr val="bg1"/>
+          </a:solidFill>
+        </p:spPr>
+        <p:style>
+          <a:lnRef idx="2">
+            <a:schemeClr val="accent1">
+              <a:shade val="15000"/>
+            </a:schemeClr>
+          </a:lnRef>
+          <a:fillRef idx="1">
+            <a:schemeClr val="accent1"/>
+          </a:fillRef>
+          <a:effectRef idx="0">
+            <a:schemeClr val="accent1"/>
+          </a:effectRef>
+          <a:fontRef idx="minor">
+            <a:schemeClr val="lt1"/>
+          </a:fontRef>
+        </p:style>
+        <p:txBody>
+          <a:bodyPr rtlCol="0" anchor="ctr"/>
+          <a:lstStyle/>
+          <a:p>
+            <a:pPr algn="ctr"/>
+            <a:endParaRPr lang="ko-KR" altLang="en-US"/>
+          </a:p>
+        </p:txBody>
+      </p:sp>
+      <p:sp>
+        <p:nvSpPr>
+          <p:cNvPr id="20" name="별: 꼭짓점 5개 19">
+            <a:extLst>
+              <a:ext uri="{FF2B5EF4-FFF2-40B4-BE49-F238E27FC236}">
+                <a16:creationId xmlns:a16="http://schemas.microsoft.com/office/drawing/2014/main" id="{7B30C917-FC66-D95A-F513-20BAFE1ECFFE}"/>
+              </a:ext>
+            </a:extLst>
+          </p:cNvPr>
+          <p:cNvSpPr/>
+          <p:nvPr/>
+        </p:nvSpPr>
+        <p:spPr>
+          <a:xfrm>
+            <a:off x="2181445" y="3729040"/>
+            <a:ext cx="411126" cy="410395"/>
+          </a:xfrm>
+          <a:prstGeom prst="star5">
+            <a:avLst/>
+          </a:prstGeom>
+          <a:solidFill>
+            <a:srgbClr val="FFFF00"/>
+          </a:solidFill>
+        </p:spPr>
+        <p:style>
+          <a:lnRef idx="2">
+            <a:schemeClr val="accent1">
+              <a:shade val="15000"/>
+            </a:schemeClr>
+          </a:lnRef>
+          <a:fillRef idx="1">
+            <a:schemeClr val="accent1"/>
+          </a:fillRef>
+          <a:effectRef idx="0">
+            <a:schemeClr val="accent1"/>
+          </a:effectRef>
+          <a:fontRef idx="minor">
+            <a:schemeClr val="lt1"/>
+          </a:fontRef>
+        </p:style>
+        <p:txBody>
+          <a:bodyPr rtlCol="0" anchor="ctr"/>
+          <a:lstStyle/>
+          <a:p>
+            <a:pPr algn="ctr"/>
+            <a:endParaRPr lang="ko-KR" altLang="en-US"/>
+          </a:p>
+        </p:txBody>
+      </p:sp>
+    </p:spTree>
+    <p:extLst>
+      <p:ext uri="{BB962C8B-B14F-4D97-AF65-F5344CB8AC3E}">
+        <p14:creationId xmlns:p14="http://schemas.microsoft.com/office/powerpoint/2010/main" val="3867654067"/>
+      </p:ext>
+    </p:extLst>
+  </p:cSld>
+  <p:clrMapOvr>
+    <a:masterClrMapping/>
+  </p:clrMapOvr>
+</p:sld>
+</file>
+
 <file path=ppt/theme/theme1.xml><?xml version="1.0" encoding="utf-8"?>
 <a:theme xmlns:a="http://schemas.openxmlformats.org/drawingml/2006/main" name="Office 테마">
   <a:themeElements>

--- a/기획서/연구분야에 관한 ppt(도한).pptx
+++ b/기획서/연구분야에 관한 ppt(도한).pptx
@@ -12,6 +12,7 @@
     <p:sldId id="261" r:id="rId6"/>
     <p:sldId id="262" r:id="rId7"/>
     <p:sldId id="263" r:id="rId8"/>
+    <p:sldId id="264" r:id="rId9"/>
   </p:sldIdLst>
   <p:sldSz cx="12192000" cy="6858000"/>
   <p:notesSz cx="6858000" cy="9144000"/>
@@ -265,7 +266,7 @@
           <a:p>
             <a:fld id="{45CF97E2-8EA0-4470-AB76-C65A0EF071FE}" type="datetimeFigureOut">
               <a:rPr lang="ko-KR" altLang="en-US" smtClean="0"/>
-              <a:t>2023-11-22</a:t>
+              <a:t>2023-11-23</a:t>
             </a:fld>
             <a:endParaRPr lang="ko-KR" altLang="en-US"/>
           </a:p>
@@ -463,7 +464,7 @@
           <a:p>
             <a:fld id="{45CF97E2-8EA0-4470-AB76-C65A0EF071FE}" type="datetimeFigureOut">
               <a:rPr lang="ko-KR" altLang="en-US" smtClean="0"/>
-              <a:t>2023-11-22</a:t>
+              <a:t>2023-11-23</a:t>
             </a:fld>
             <a:endParaRPr lang="ko-KR" altLang="en-US"/>
           </a:p>
@@ -671,7 +672,7 @@
           <a:p>
             <a:fld id="{45CF97E2-8EA0-4470-AB76-C65A0EF071FE}" type="datetimeFigureOut">
               <a:rPr lang="ko-KR" altLang="en-US" smtClean="0"/>
-              <a:t>2023-11-22</a:t>
+              <a:t>2023-11-23</a:t>
             </a:fld>
             <a:endParaRPr lang="ko-KR" altLang="en-US"/>
           </a:p>
@@ -869,7 +870,7 @@
           <a:p>
             <a:fld id="{45CF97E2-8EA0-4470-AB76-C65A0EF071FE}" type="datetimeFigureOut">
               <a:rPr lang="ko-KR" altLang="en-US" smtClean="0"/>
-              <a:t>2023-11-22</a:t>
+              <a:t>2023-11-23</a:t>
             </a:fld>
             <a:endParaRPr lang="ko-KR" altLang="en-US"/>
           </a:p>
@@ -1144,7 +1145,7 @@
           <a:p>
             <a:fld id="{45CF97E2-8EA0-4470-AB76-C65A0EF071FE}" type="datetimeFigureOut">
               <a:rPr lang="ko-KR" altLang="en-US" smtClean="0"/>
-              <a:t>2023-11-22</a:t>
+              <a:t>2023-11-23</a:t>
             </a:fld>
             <a:endParaRPr lang="ko-KR" altLang="en-US"/>
           </a:p>
@@ -1409,7 +1410,7 @@
           <a:p>
             <a:fld id="{45CF97E2-8EA0-4470-AB76-C65A0EF071FE}" type="datetimeFigureOut">
               <a:rPr lang="ko-KR" altLang="en-US" smtClean="0"/>
-              <a:t>2023-11-22</a:t>
+              <a:t>2023-11-23</a:t>
             </a:fld>
             <a:endParaRPr lang="ko-KR" altLang="en-US"/>
           </a:p>
@@ -1821,7 +1822,7 @@
           <a:p>
             <a:fld id="{45CF97E2-8EA0-4470-AB76-C65A0EF071FE}" type="datetimeFigureOut">
               <a:rPr lang="ko-KR" altLang="en-US" smtClean="0"/>
-              <a:t>2023-11-22</a:t>
+              <a:t>2023-11-23</a:t>
             </a:fld>
             <a:endParaRPr lang="ko-KR" altLang="en-US"/>
           </a:p>
@@ -1962,7 +1963,7 @@
           <a:p>
             <a:fld id="{45CF97E2-8EA0-4470-AB76-C65A0EF071FE}" type="datetimeFigureOut">
               <a:rPr lang="ko-KR" altLang="en-US" smtClean="0"/>
-              <a:t>2023-11-22</a:t>
+              <a:t>2023-11-23</a:t>
             </a:fld>
             <a:endParaRPr lang="ko-KR" altLang="en-US"/>
           </a:p>
@@ -2075,7 +2076,7 @@
           <a:p>
             <a:fld id="{45CF97E2-8EA0-4470-AB76-C65A0EF071FE}" type="datetimeFigureOut">
               <a:rPr lang="ko-KR" altLang="en-US" smtClean="0"/>
-              <a:t>2023-11-22</a:t>
+              <a:t>2023-11-23</a:t>
             </a:fld>
             <a:endParaRPr lang="ko-KR" altLang="en-US"/>
           </a:p>
@@ -2386,7 +2387,7 @@
           <a:p>
             <a:fld id="{45CF97E2-8EA0-4470-AB76-C65A0EF071FE}" type="datetimeFigureOut">
               <a:rPr lang="ko-KR" altLang="en-US" smtClean="0"/>
-              <a:t>2023-11-22</a:t>
+              <a:t>2023-11-23</a:t>
             </a:fld>
             <a:endParaRPr lang="ko-KR" altLang="en-US"/>
           </a:p>
@@ -2674,7 +2675,7 @@
           <a:p>
             <a:fld id="{45CF97E2-8EA0-4470-AB76-C65A0EF071FE}" type="datetimeFigureOut">
               <a:rPr lang="ko-KR" altLang="en-US" smtClean="0"/>
-              <a:t>2023-11-22</a:t>
+              <a:t>2023-11-23</a:t>
             </a:fld>
             <a:endParaRPr lang="ko-KR" altLang="en-US"/>
           </a:p>
@@ -2915,7 +2916,7 @@
           <a:p>
             <a:fld id="{45CF97E2-8EA0-4470-AB76-C65A0EF071FE}" type="datetimeFigureOut">
               <a:rPr lang="ko-KR" altLang="en-US" smtClean="0"/>
-              <a:t>2023-11-22</a:t>
+              <a:t>2023-11-23</a:t>
             </a:fld>
             <a:endParaRPr lang="ko-KR" altLang="en-US"/>
           </a:p>
@@ -8032,6 +8033,130 @@
 </p:sld>
 </file>
 
+<file path=ppt/slides/slide8.xml><?xml version="1.0" encoding="utf-8"?>
+<p:sld xmlns:a="http://schemas.openxmlformats.org/drawingml/2006/main" xmlns:r="http://schemas.openxmlformats.org/officeDocument/2006/relationships" xmlns:p="http://schemas.openxmlformats.org/presentationml/2006/main">
+  <p:cSld>
+    <p:spTree>
+      <p:nvGrpSpPr>
+        <p:cNvPr id="1" name=""/>
+        <p:cNvGrpSpPr/>
+        <p:nvPr/>
+      </p:nvGrpSpPr>
+      <p:grpSpPr>
+        <a:xfrm>
+          <a:off x="0" y="0"/>
+          <a:ext cx="0" cy="0"/>
+          <a:chOff x="0" y="0"/>
+          <a:chExt cx="0" cy="0"/>
+        </a:xfrm>
+      </p:grpSpPr>
+      <p:sp>
+        <p:nvSpPr>
+          <p:cNvPr id="2" name="제목 1">
+            <a:extLst>
+              <a:ext uri="{FF2B5EF4-FFF2-40B4-BE49-F238E27FC236}">
+                <a16:creationId xmlns:a16="http://schemas.microsoft.com/office/drawing/2014/main" id="{2DB481F2-5925-FE0F-3656-19884A325BD9}"/>
+              </a:ext>
+            </a:extLst>
+          </p:cNvPr>
+          <p:cNvSpPr>
+            <a:spLocks noGrp="1"/>
+          </p:cNvSpPr>
+          <p:nvPr>
+            <p:ph type="title"/>
+          </p:nvPr>
+        </p:nvSpPr>
+        <p:spPr/>
+        <p:txBody>
+          <a:bodyPr/>
+          <a:lstStyle/>
+          <a:p>
+            <a:r>
+              <a:rPr lang="ko-KR" altLang="en-US" dirty="0" err="1"/>
+              <a:t>파티클</a:t>
+            </a:r>
+            <a:r>
+              <a:rPr lang="ko-KR" altLang="en-US" dirty="0"/>
+              <a:t> 렌더링 </a:t>
+            </a:r>
+          </a:p>
+        </p:txBody>
+      </p:sp>
+      <p:sp>
+        <p:nvSpPr>
+          <p:cNvPr id="3" name="내용 개체 틀 2">
+            <a:extLst>
+              <a:ext uri="{FF2B5EF4-FFF2-40B4-BE49-F238E27FC236}">
+                <a16:creationId xmlns:a16="http://schemas.microsoft.com/office/drawing/2014/main" id="{411AF939-C368-2BC7-575C-8D6A4F862789}"/>
+              </a:ext>
+            </a:extLst>
+          </p:cNvPr>
+          <p:cNvSpPr>
+            <a:spLocks noGrp="1"/>
+          </p:cNvSpPr>
+          <p:nvPr>
+            <p:ph idx="1"/>
+          </p:nvPr>
+        </p:nvSpPr>
+        <p:spPr/>
+        <p:txBody>
+          <a:bodyPr/>
+          <a:lstStyle/>
+          <a:p>
+            <a:pPr marL="0" indent="0" algn="ctr">
+              <a:buNone/>
+            </a:pPr>
+            <a:r>
+              <a:rPr lang="ko-KR" altLang="en-US" dirty="0"/>
+              <a:t>예시 </a:t>
+            </a:r>
+            <a:r>
+              <a:rPr lang="en-US" altLang="ko-KR" dirty="0"/>
+              <a:t>: </a:t>
+            </a:r>
+            <a:r>
+              <a:rPr lang="en-US" altLang="ko-KR" dirty="0">
+                <a:hlinkClick r:id="rId2"/>
+              </a:rPr>
+              <a:t>https://www.youtube.com/watch?v=NTdtPJFSmZU</a:t>
+            </a:r>
+            <a:endParaRPr lang="en-US" altLang="ko-KR" dirty="0"/>
+          </a:p>
+          <a:p>
+            <a:pPr marL="0" indent="0" algn="ctr">
+              <a:buNone/>
+            </a:pPr>
+            <a:endParaRPr lang="en-US" altLang="ko-KR" dirty="0"/>
+          </a:p>
+          <a:p>
+            <a:pPr marL="0" indent="0" algn="ctr">
+              <a:buNone/>
+            </a:pPr>
+            <a:r>
+              <a:rPr lang="en-US" altLang="ko-KR" dirty="0"/>
+              <a:t>-</a:t>
+            </a:r>
+            <a:r>
+              <a:rPr lang="ko-KR" altLang="en-US" dirty="0"/>
+              <a:t>적 피격이나 플레이어가 맞을 때 피가 튀기는 효과</a:t>
+            </a:r>
+            <a:endParaRPr lang="en-US" altLang="ko-KR" dirty="0"/>
+          </a:p>
+        </p:txBody>
+      </p:sp>
+    </p:spTree>
+    <p:extLst>
+      <p:ext uri="{BB962C8B-B14F-4D97-AF65-F5344CB8AC3E}">
+        <p14:creationId xmlns:p14="http://schemas.microsoft.com/office/powerpoint/2010/main" val="993015508"/>
+      </p:ext>
+    </p:extLst>
+  </p:cSld>
+  <p:clrMapOvr>
+    <a:masterClrMapping/>
+  </p:clrMapOvr>
+</p:sld>
+</file>
+
 <file path=ppt/theme/theme1.xml><?xml version="1.0" encoding="utf-8"?>
 <a:theme xmlns:a="http://schemas.openxmlformats.org/drawingml/2006/main" name="Office 테마">
   <a:themeElements>
